--- a/docs/PPT.pptx
+++ b/docs/PPT.pptx
@@ -31,6 +31,7 @@
     <p:sldId id="277" r:id="rId26"/>
     <p:sldId id="278" r:id="rId27"/>
     <p:sldId id="279" r:id="rId28"/>
+    <p:sldId id="280" r:id="rId29"/>
   </p:sldIdLst>
   <p:sldSz cx="9144000" cy="5143500"/>
   <p:notesSz cx="6858000" cy="9144000"/>
@@ -68,7 +69,7 @@
         <p:txBody>
           <a:bodyPr/>
           <a:p>
-            <a:fld id="{2F841FEF-055D-4B9A-AA3B-D46DD82E0D57}" type="slidenum">
+            <a:fld id="{B64F451C-6552-492C-B47B-4E79456DDC31}" type="slidenum">
               <a:t>&lt;#&gt;</a:t>
             </a:fld>
           </a:p>
@@ -108,8 +109,8 @@
         </p:nvSpPr>
         <p:spPr>
           <a:xfrm>
-            <a:off x="824040" y="1613880"/>
-            <a:ext cx="4255200" cy="1872720"/>
+            <a:off x="457200" y="306720"/>
+            <a:ext cx="8229240" cy="421200"/>
           </a:xfrm>
           <a:prstGeom prst="rect">
             <a:avLst/>
@@ -145,8 +146,8 @@
         </p:nvSpPr>
         <p:spPr>
           <a:xfrm>
-            <a:off x="457200" y="1203480"/>
-            <a:ext cx="8229240" cy="1422720"/>
+            <a:off x="457200" y="915120"/>
+            <a:ext cx="8229240" cy="1801800"/>
           </a:xfrm>
           <a:prstGeom prst="rect">
             <a:avLst/>
@@ -182,8 +183,8 @@
         </p:nvSpPr>
         <p:spPr>
           <a:xfrm>
-            <a:off x="457200" y="2761920"/>
-            <a:ext cx="8229240" cy="1422720"/>
+            <a:off x="457200" y="2888640"/>
+            <a:ext cx="8229240" cy="1801800"/>
           </a:xfrm>
           <a:prstGeom prst="rect">
             <a:avLst/>
@@ -221,7 +222,7 @@
         <p:txBody>
           <a:bodyPr/>
           <a:p>
-            <a:fld id="{58B57727-7477-4870-A4BD-065EA23289F7}" type="slidenum">
+            <a:fld id="{1F58A51B-C2E3-484D-A6C5-AD3AEFEB8204}" type="slidenum">
               <a:t>&lt;#&gt;</a:t>
             </a:fld>
           </a:p>
@@ -261,8 +262,8 @@
         </p:nvSpPr>
         <p:spPr>
           <a:xfrm>
-            <a:off x="824040" y="1613880"/>
-            <a:ext cx="4255200" cy="1872720"/>
+            <a:off x="457200" y="306720"/>
+            <a:ext cx="8229240" cy="421200"/>
           </a:xfrm>
           <a:prstGeom prst="rect">
             <a:avLst/>
@@ -298,8 +299,8 @@
         </p:nvSpPr>
         <p:spPr>
           <a:xfrm>
-            <a:off x="457200" y="1203480"/>
-            <a:ext cx="4015800" cy="1422720"/>
+            <a:off x="457200" y="915120"/>
+            <a:ext cx="4015800" cy="1801800"/>
           </a:xfrm>
           <a:prstGeom prst="rect">
             <a:avLst/>
@@ -335,8 +336,8 @@
         </p:nvSpPr>
         <p:spPr>
           <a:xfrm>
-            <a:off x="4674240" y="1203480"/>
-            <a:ext cx="4015800" cy="1422720"/>
+            <a:off x="4674240" y="915120"/>
+            <a:ext cx="4015800" cy="1801800"/>
           </a:xfrm>
           <a:prstGeom prst="rect">
             <a:avLst/>
@@ -372,8 +373,8 @@
         </p:nvSpPr>
         <p:spPr>
           <a:xfrm>
-            <a:off x="457200" y="2761920"/>
-            <a:ext cx="4015800" cy="1422720"/>
+            <a:off x="457200" y="2888640"/>
+            <a:ext cx="4015800" cy="1801800"/>
           </a:xfrm>
           <a:prstGeom prst="rect">
             <a:avLst/>
@@ -409,8 +410,8 @@
         </p:nvSpPr>
         <p:spPr>
           <a:xfrm>
-            <a:off x="4674240" y="2761920"/>
-            <a:ext cx="4015800" cy="1422720"/>
+            <a:off x="4674240" y="2888640"/>
+            <a:ext cx="4015800" cy="1801800"/>
           </a:xfrm>
           <a:prstGeom prst="rect">
             <a:avLst/>
@@ -448,7 +449,7 @@
         <p:txBody>
           <a:bodyPr/>
           <a:p>
-            <a:fld id="{10655CD8-D297-4F59-A074-381C9B5B68EE}" type="slidenum">
+            <a:fld id="{F1592EC7-C38A-433D-A435-6A7FEB0B3A60}" type="slidenum">
               <a:t>&lt;#&gt;</a:t>
             </a:fld>
           </a:p>
@@ -488,8 +489,8 @@
         </p:nvSpPr>
         <p:spPr>
           <a:xfrm>
-            <a:off x="824040" y="1613880"/>
-            <a:ext cx="4255200" cy="1872720"/>
+            <a:off x="457200" y="306720"/>
+            <a:ext cx="8229240" cy="421200"/>
           </a:xfrm>
           <a:prstGeom prst="rect">
             <a:avLst/>
@@ -525,8 +526,8 @@
         </p:nvSpPr>
         <p:spPr>
           <a:xfrm>
-            <a:off x="457200" y="1203480"/>
-            <a:ext cx="2649600" cy="1422720"/>
+            <a:off x="457200" y="915120"/>
+            <a:ext cx="2649600" cy="1801800"/>
           </a:xfrm>
           <a:prstGeom prst="rect">
             <a:avLst/>
@@ -562,8 +563,8 @@
         </p:nvSpPr>
         <p:spPr>
           <a:xfrm>
-            <a:off x="3239640" y="1203480"/>
-            <a:ext cx="2649600" cy="1422720"/>
+            <a:off x="3239640" y="915120"/>
+            <a:ext cx="2649600" cy="1801800"/>
           </a:xfrm>
           <a:prstGeom prst="rect">
             <a:avLst/>
@@ -599,8 +600,8 @@
         </p:nvSpPr>
         <p:spPr>
           <a:xfrm>
-            <a:off x="6022080" y="1203480"/>
-            <a:ext cx="2649600" cy="1422720"/>
+            <a:off x="6022080" y="915120"/>
+            <a:ext cx="2649600" cy="1801800"/>
           </a:xfrm>
           <a:prstGeom prst="rect">
             <a:avLst/>
@@ -636,8 +637,8 @@
         </p:nvSpPr>
         <p:spPr>
           <a:xfrm>
-            <a:off x="457200" y="2761920"/>
-            <a:ext cx="2649600" cy="1422720"/>
+            <a:off x="457200" y="2888640"/>
+            <a:ext cx="2649600" cy="1801800"/>
           </a:xfrm>
           <a:prstGeom prst="rect">
             <a:avLst/>
@@ -673,8 +674,8 @@
         </p:nvSpPr>
         <p:spPr>
           <a:xfrm>
-            <a:off x="3239640" y="2761920"/>
-            <a:ext cx="2649600" cy="1422720"/>
+            <a:off x="3239640" y="2888640"/>
+            <a:ext cx="2649600" cy="1801800"/>
           </a:xfrm>
           <a:prstGeom prst="rect">
             <a:avLst/>
@@ -710,8 +711,8 @@
         </p:nvSpPr>
         <p:spPr>
           <a:xfrm>
-            <a:off x="6022080" y="2761920"/>
-            <a:ext cx="2649600" cy="1422720"/>
+            <a:off x="6022080" y="2888640"/>
+            <a:ext cx="2649600" cy="1801800"/>
           </a:xfrm>
           <a:prstGeom prst="rect">
             <a:avLst/>
@@ -749,7 +750,7 @@
         <p:txBody>
           <a:bodyPr/>
           <a:p>
-            <a:fld id="{C477AA6B-DA70-4703-9387-AB89B5254AF6}" type="slidenum">
+            <a:fld id="{AE43B3AA-F128-44D4-B114-008762983F57}" type="slidenum">
               <a:t>&lt;#&gt;</a:t>
             </a:fld>
           </a:p>
@@ -791,7 +792,7 @@
         <p:txBody>
           <a:bodyPr/>
           <a:p>
-            <a:fld id="{03248DFB-0E18-4642-B67E-DF3971DAAB05}" type="slidenum">
+            <a:fld id="{B5A3B6F7-6B04-464E-83C2-B40369D3C176}" type="slidenum">
               <a:t>&lt;#&gt;</a:t>
             </a:fld>
           </a:p>
@@ -831,8 +832,8 @@
         </p:nvSpPr>
         <p:spPr>
           <a:xfrm>
-            <a:off x="824040" y="1613880"/>
-            <a:ext cx="4255200" cy="1872720"/>
+            <a:off x="457200" y="306720"/>
+            <a:ext cx="8229240" cy="421200"/>
           </a:xfrm>
           <a:prstGeom prst="rect">
             <a:avLst/>
@@ -868,8 +869,8 @@
         </p:nvSpPr>
         <p:spPr>
           <a:xfrm>
-            <a:off x="457200" y="1203480"/>
-            <a:ext cx="8229240" cy="2982960"/>
+            <a:off x="457200" y="915120"/>
+            <a:ext cx="8229240" cy="3777480"/>
           </a:xfrm>
           <a:prstGeom prst="rect">
             <a:avLst/>
@@ -907,7 +908,7 @@
         <p:txBody>
           <a:bodyPr/>
           <a:p>
-            <a:fld id="{4660C129-D5F6-4A19-98C3-9E02887E2660}" type="slidenum">
+            <a:fld id="{D545E56B-5B4E-4020-8400-B8584F7C154F}" type="slidenum">
               <a:t>&lt;#&gt;</a:t>
             </a:fld>
           </a:p>
@@ -947,8 +948,8 @@
         </p:nvSpPr>
         <p:spPr>
           <a:xfrm>
-            <a:off x="824040" y="1613880"/>
-            <a:ext cx="4255200" cy="1872720"/>
+            <a:off x="457200" y="306720"/>
+            <a:ext cx="8229240" cy="421200"/>
           </a:xfrm>
           <a:prstGeom prst="rect">
             <a:avLst/>
@@ -984,8 +985,8 @@
         </p:nvSpPr>
         <p:spPr>
           <a:xfrm>
-            <a:off x="457200" y="1203480"/>
-            <a:ext cx="8229240" cy="2982960"/>
+            <a:off x="457200" y="915120"/>
+            <a:ext cx="8229240" cy="3777480"/>
           </a:xfrm>
           <a:prstGeom prst="rect">
             <a:avLst/>
@@ -1023,7 +1024,7 @@
         <p:txBody>
           <a:bodyPr/>
           <a:p>
-            <a:fld id="{3BB9326B-76B6-4D73-B298-68AAA02B5133}" type="slidenum">
+            <a:fld id="{081902FA-6A3C-41C0-9938-432A1A54259C}" type="slidenum">
               <a:t>&lt;#&gt;</a:t>
             </a:fld>
           </a:p>
@@ -1063,8 +1064,8 @@
         </p:nvSpPr>
         <p:spPr>
           <a:xfrm>
-            <a:off x="824040" y="1613880"/>
-            <a:ext cx="4255200" cy="1872720"/>
+            <a:off x="457200" y="306720"/>
+            <a:ext cx="8229240" cy="421200"/>
           </a:xfrm>
           <a:prstGeom prst="rect">
             <a:avLst/>
@@ -1100,8 +1101,8 @@
         </p:nvSpPr>
         <p:spPr>
           <a:xfrm>
-            <a:off x="457200" y="1203480"/>
-            <a:ext cx="4015800" cy="2982960"/>
+            <a:off x="457200" y="915120"/>
+            <a:ext cx="4015800" cy="3777480"/>
           </a:xfrm>
           <a:prstGeom prst="rect">
             <a:avLst/>
@@ -1137,8 +1138,8 @@
         </p:nvSpPr>
         <p:spPr>
           <a:xfrm>
-            <a:off x="4674240" y="1203480"/>
-            <a:ext cx="4015800" cy="2982960"/>
+            <a:off x="4674240" y="915120"/>
+            <a:ext cx="4015800" cy="3777480"/>
           </a:xfrm>
           <a:prstGeom prst="rect">
             <a:avLst/>
@@ -1176,7 +1177,7 @@
         <p:txBody>
           <a:bodyPr/>
           <a:p>
-            <a:fld id="{3031433D-5BF6-4B3D-9500-A763C5743667}" type="slidenum">
+            <a:fld id="{2D7D97B8-2EDC-4630-A956-20861968DA65}" type="slidenum">
               <a:t>&lt;#&gt;</a:t>
             </a:fld>
           </a:p>
@@ -1216,8 +1217,8 @@
         </p:nvSpPr>
         <p:spPr>
           <a:xfrm>
-            <a:off x="824040" y="1613880"/>
-            <a:ext cx="4255200" cy="1872720"/>
+            <a:off x="457200" y="306720"/>
+            <a:ext cx="8229240" cy="421200"/>
           </a:xfrm>
           <a:prstGeom prst="rect">
             <a:avLst/>
@@ -1255,7 +1256,7 @@
         <p:txBody>
           <a:bodyPr/>
           <a:p>
-            <a:fld id="{5A26CA0E-6B2F-4944-BEEC-760E037EFE84}" type="slidenum">
+            <a:fld id="{911C866C-7F9D-4E49-9866-45EF30372E74}" type="slidenum">
               <a:t>&lt;#&gt;</a:t>
             </a:fld>
           </a:p>
@@ -1295,8 +1296,8 @@
         </p:nvSpPr>
         <p:spPr>
           <a:xfrm>
-            <a:off x="824040" y="1613880"/>
-            <a:ext cx="4255200" cy="8682120"/>
+            <a:off x="457200" y="306720"/>
+            <a:ext cx="8229240" cy="1953720"/>
           </a:xfrm>
           <a:prstGeom prst="rect">
             <a:avLst/>
@@ -1334,7 +1335,7 @@
         <p:txBody>
           <a:bodyPr/>
           <a:p>
-            <a:fld id="{999C0177-E2BD-4817-929B-A3F1BD1DBCA9}" type="slidenum">
+            <a:fld id="{C3B34CC9-63A2-4D61-ABE5-27FFBACB5D8E}" type="slidenum">
               <a:t>&lt;#&gt;</a:t>
             </a:fld>
           </a:p>
@@ -1374,8 +1375,8 @@
         </p:nvSpPr>
         <p:spPr>
           <a:xfrm>
-            <a:off x="824040" y="1613880"/>
-            <a:ext cx="4255200" cy="1872720"/>
+            <a:off x="457200" y="306720"/>
+            <a:ext cx="8229240" cy="421200"/>
           </a:xfrm>
           <a:prstGeom prst="rect">
             <a:avLst/>
@@ -1411,8 +1412,8 @@
         </p:nvSpPr>
         <p:spPr>
           <a:xfrm>
-            <a:off x="457200" y="1203480"/>
-            <a:ext cx="4015800" cy="1422720"/>
+            <a:off x="457200" y="915120"/>
+            <a:ext cx="4015800" cy="1801800"/>
           </a:xfrm>
           <a:prstGeom prst="rect">
             <a:avLst/>
@@ -1448,8 +1449,8 @@
         </p:nvSpPr>
         <p:spPr>
           <a:xfrm>
-            <a:off x="4674240" y="1203480"/>
-            <a:ext cx="4015800" cy="2982960"/>
+            <a:off x="4674240" y="915120"/>
+            <a:ext cx="4015800" cy="3777480"/>
           </a:xfrm>
           <a:prstGeom prst="rect">
             <a:avLst/>
@@ -1485,8 +1486,8 @@
         </p:nvSpPr>
         <p:spPr>
           <a:xfrm>
-            <a:off x="457200" y="2761920"/>
-            <a:ext cx="4015800" cy="1422720"/>
+            <a:off x="457200" y="2888640"/>
+            <a:ext cx="4015800" cy="1801800"/>
           </a:xfrm>
           <a:prstGeom prst="rect">
             <a:avLst/>
@@ -1524,7 +1525,7 @@
         <p:txBody>
           <a:bodyPr/>
           <a:p>
-            <a:fld id="{FCC6F2B4-AAE0-4F48-AA06-F2B533F82DDA}" type="slidenum">
+            <a:fld id="{CE5FD651-B8A3-4CED-B956-8FD811FE17C5}" type="slidenum">
               <a:t>&lt;#&gt;</a:t>
             </a:fld>
           </a:p>
@@ -1564,8 +1565,8 @@
         </p:nvSpPr>
         <p:spPr>
           <a:xfrm>
-            <a:off x="824040" y="1613880"/>
-            <a:ext cx="4255200" cy="1872720"/>
+            <a:off x="457200" y="306720"/>
+            <a:ext cx="8229240" cy="421200"/>
           </a:xfrm>
           <a:prstGeom prst="rect">
             <a:avLst/>
@@ -1601,8 +1602,8 @@
         </p:nvSpPr>
         <p:spPr>
           <a:xfrm>
-            <a:off x="457200" y="1203480"/>
-            <a:ext cx="8229240" cy="2982960"/>
+            <a:off x="457200" y="915120"/>
+            <a:ext cx="8229240" cy="3777480"/>
           </a:xfrm>
           <a:prstGeom prst="rect">
             <a:avLst/>
@@ -1640,7 +1641,7 @@
         <p:txBody>
           <a:bodyPr/>
           <a:p>
-            <a:fld id="{414455AF-A6C0-4B78-AEE1-9F95C61D70B7}" type="slidenum">
+            <a:fld id="{610A93EF-5C2F-431B-9DDD-FE8B449E977D}" type="slidenum">
               <a:t>&lt;#&gt;</a:t>
             </a:fld>
           </a:p>
@@ -1680,8 +1681,8 @@
         </p:nvSpPr>
         <p:spPr>
           <a:xfrm>
-            <a:off x="824040" y="1613880"/>
-            <a:ext cx="4255200" cy="1872720"/>
+            <a:off x="457200" y="306720"/>
+            <a:ext cx="8229240" cy="421200"/>
           </a:xfrm>
           <a:prstGeom prst="rect">
             <a:avLst/>
@@ -1717,8 +1718,8 @@
         </p:nvSpPr>
         <p:spPr>
           <a:xfrm>
-            <a:off x="457200" y="1203480"/>
-            <a:ext cx="4015800" cy="2982960"/>
+            <a:off x="457200" y="915120"/>
+            <a:ext cx="4015800" cy="3777480"/>
           </a:xfrm>
           <a:prstGeom prst="rect">
             <a:avLst/>
@@ -1754,8 +1755,8 @@
         </p:nvSpPr>
         <p:spPr>
           <a:xfrm>
-            <a:off x="4674240" y="1203480"/>
-            <a:ext cx="4015800" cy="1422720"/>
+            <a:off x="4674240" y="915120"/>
+            <a:ext cx="4015800" cy="1801800"/>
           </a:xfrm>
           <a:prstGeom prst="rect">
             <a:avLst/>
@@ -1791,8 +1792,8 @@
         </p:nvSpPr>
         <p:spPr>
           <a:xfrm>
-            <a:off x="4674240" y="2761920"/>
-            <a:ext cx="4015800" cy="1422720"/>
+            <a:off x="4674240" y="2888640"/>
+            <a:ext cx="4015800" cy="1801800"/>
           </a:xfrm>
           <a:prstGeom prst="rect">
             <a:avLst/>
@@ -1830,7 +1831,7 @@
         <p:txBody>
           <a:bodyPr/>
           <a:p>
-            <a:fld id="{D4F5CF35-E831-4B32-850D-759138E19049}" type="slidenum">
+            <a:fld id="{C583F673-EDCD-47A4-905C-3A3F5280EBFF}" type="slidenum">
               <a:t>&lt;#&gt;</a:t>
             </a:fld>
           </a:p>
@@ -1870,8 +1871,8 @@
         </p:nvSpPr>
         <p:spPr>
           <a:xfrm>
-            <a:off x="824040" y="1613880"/>
-            <a:ext cx="4255200" cy="1872720"/>
+            <a:off x="457200" y="306720"/>
+            <a:ext cx="8229240" cy="421200"/>
           </a:xfrm>
           <a:prstGeom prst="rect">
             <a:avLst/>
@@ -1907,8 +1908,8 @@
         </p:nvSpPr>
         <p:spPr>
           <a:xfrm>
-            <a:off x="457200" y="1203480"/>
-            <a:ext cx="4015800" cy="1422720"/>
+            <a:off x="457200" y="915120"/>
+            <a:ext cx="4015800" cy="1801800"/>
           </a:xfrm>
           <a:prstGeom prst="rect">
             <a:avLst/>
@@ -1944,8 +1945,8 @@
         </p:nvSpPr>
         <p:spPr>
           <a:xfrm>
-            <a:off x="4674240" y="1203480"/>
-            <a:ext cx="4015800" cy="1422720"/>
+            <a:off x="4674240" y="915120"/>
+            <a:ext cx="4015800" cy="1801800"/>
           </a:xfrm>
           <a:prstGeom prst="rect">
             <a:avLst/>
@@ -1981,8 +1982,8 @@
         </p:nvSpPr>
         <p:spPr>
           <a:xfrm>
-            <a:off x="457200" y="2761920"/>
-            <a:ext cx="8229240" cy="1422720"/>
+            <a:off x="457200" y="2888640"/>
+            <a:ext cx="8229240" cy="1801800"/>
           </a:xfrm>
           <a:prstGeom prst="rect">
             <a:avLst/>
@@ -2020,7 +2021,7 @@
         <p:txBody>
           <a:bodyPr/>
           <a:p>
-            <a:fld id="{C7189544-EBDF-4DE4-B25F-36C9B702E924}" type="slidenum">
+            <a:fld id="{424F7F06-7705-417C-B890-C10A868A9557}" type="slidenum">
               <a:t>&lt;#&gt;</a:t>
             </a:fld>
           </a:p>
@@ -2060,8 +2061,8 @@
         </p:nvSpPr>
         <p:spPr>
           <a:xfrm>
-            <a:off x="824040" y="1613880"/>
-            <a:ext cx="4255200" cy="1872720"/>
+            <a:off x="457200" y="306720"/>
+            <a:ext cx="8229240" cy="421200"/>
           </a:xfrm>
           <a:prstGeom prst="rect">
             <a:avLst/>
@@ -2097,8 +2098,8 @@
         </p:nvSpPr>
         <p:spPr>
           <a:xfrm>
-            <a:off x="457200" y="1203480"/>
-            <a:ext cx="8229240" cy="1422720"/>
+            <a:off x="457200" y="915120"/>
+            <a:ext cx="8229240" cy="1801800"/>
           </a:xfrm>
           <a:prstGeom prst="rect">
             <a:avLst/>
@@ -2134,8 +2135,8 @@
         </p:nvSpPr>
         <p:spPr>
           <a:xfrm>
-            <a:off x="457200" y="2761920"/>
-            <a:ext cx="8229240" cy="1422720"/>
+            <a:off x="457200" y="2888640"/>
+            <a:ext cx="8229240" cy="1801800"/>
           </a:xfrm>
           <a:prstGeom prst="rect">
             <a:avLst/>
@@ -2173,7 +2174,7 @@
         <p:txBody>
           <a:bodyPr/>
           <a:p>
-            <a:fld id="{756F9293-5B64-4D2A-A534-D3141C6EBA3E}" type="slidenum">
+            <a:fld id="{2772FF9A-C229-49A2-9144-83A0D4968A64}" type="slidenum">
               <a:t>&lt;#&gt;</a:t>
             </a:fld>
           </a:p>
@@ -2213,8 +2214,8 @@
         </p:nvSpPr>
         <p:spPr>
           <a:xfrm>
-            <a:off x="824040" y="1613880"/>
-            <a:ext cx="4255200" cy="1872720"/>
+            <a:off x="457200" y="306720"/>
+            <a:ext cx="8229240" cy="421200"/>
           </a:xfrm>
           <a:prstGeom prst="rect">
             <a:avLst/>
@@ -2250,8 +2251,8 @@
         </p:nvSpPr>
         <p:spPr>
           <a:xfrm>
-            <a:off x="457200" y="1203480"/>
-            <a:ext cx="4015800" cy="1422720"/>
+            <a:off x="457200" y="915120"/>
+            <a:ext cx="4015800" cy="1801800"/>
           </a:xfrm>
           <a:prstGeom prst="rect">
             <a:avLst/>
@@ -2287,8 +2288,8 @@
         </p:nvSpPr>
         <p:spPr>
           <a:xfrm>
-            <a:off x="4674240" y="1203480"/>
-            <a:ext cx="4015800" cy="1422720"/>
+            <a:off x="4674240" y="915120"/>
+            <a:ext cx="4015800" cy="1801800"/>
           </a:xfrm>
           <a:prstGeom prst="rect">
             <a:avLst/>
@@ -2324,8 +2325,8 @@
         </p:nvSpPr>
         <p:spPr>
           <a:xfrm>
-            <a:off x="457200" y="2761920"/>
-            <a:ext cx="4015800" cy="1422720"/>
+            <a:off x="457200" y="2888640"/>
+            <a:ext cx="4015800" cy="1801800"/>
           </a:xfrm>
           <a:prstGeom prst="rect">
             <a:avLst/>
@@ -2361,8 +2362,8 @@
         </p:nvSpPr>
         <p:spPr>
           <a:xfrm>
-            <a:off x="4674240" y="2761920"/>
-            <a:ext cx="4015800" cy="1422720"/>
+            <a:off x="4674240" y="2888640"/>
+            <a:ext cx="4015800" cy="1801800"/>
           </a:xfrm>
           <a:prstGeom prst="rect">
             <a:avLst/>
@@ -2400,7 +2401,7 @@
         <p:txBody>
           <a:bodyPr/>
           <a:p>
-            <a:fld id="{8B955C73-665A-4ABD-9E0C-687F66266AAB}" type="slidenum">
+            <a:fld id="{27E0DFBA-B390-467A-A475-997D141C249C}" type="slidenum">
               <a:t>&lt;#&gt;</a:t>
             </a:fld>
           </a:p>
@@ -2440,8 +2441,8 @@
         </p:nvSpPr>
         <p:spPr>
           <a:xfrm>
-            <a:off x="824040" y="1613880"/>
-            <a:ext cx="4255200" cy="1872720"/>
+            <a:off x="457200" y="306720"/>
+            <a:ext cx="8229240" cy="421200"/>
           </a:xfrm>
           <a:prstGeom prst="rect">
             <a:avLst/>
@@ -2477,8 +2478,8 @@
         </p:nvSpPr>
         <p:spPr>
           <a:xfrm>
-            <a:off x="457200" y="1203480"/>
-            <a:ext cx="2649600" cy="1422720"/>
+            <a:off x="457200" y="915120"/>
+            <a:ext cx="2649600" cy="1801800"/>
           </a:xfrm>
           <a:prstGeom prst="rect">
             <a:avLst/>
@@ -2514,8 +2515,8 @@
         </p:nvSpPr>
         <p:spPr>
           <a:xfrm>
-            <a:off x="3239640" y="1203480"/>
-            <a:ext cx="2649600" cy="1422720"/>
+            <a:off x="3239640" y="915120"/>
+            <a:ext cx="2649600" cy="1801800"/>
           </a:xfrm>
           <a:prstGeom prst="rect">
             <a:avLst/>
@@ -2551,8 +2552,8 @@
         </p:nvSpPr>
         <p:spPr>
           <a:xfrm>
-            <a:off x="6022080" y="1203480"/>
-            <a:ext cx="2649600" cy="1422720"/>
+            <a:off x="6022080" y="915120"/>
+            <a:ext cx="2649600" cy="1801800"/>
           </a:xfrm>
           <a:prstGeom prst="rect">
             <a:avLst/>
@@ -2588,8 +2589,8 @@
         </p:nvSpPr>
         <p:spPr>
           <a:xfrm>
-            <a:off x="457200" y="2761920"/>
-            <a:ext cx="2649600" cy="1422720"/>
+            <a:off x="457200" y="2888640"/>
+            <a:ext cx="2649600" cy="1801800"/>
           </a:xfrm>
           <a:prstGeom prst="rect">
             <a:avLst/>
@@ -2625,8 +2626,8 @@
         </p:nvSpPr>
         <p:spPr>
           <a:xfrm>
-            <a:off x="3239640" y="2761920"/>
-            <a:ext cx="2649600" cy="1422720"/>
+            <a:off x="3239640" y="2888640"/>
+            <a:ext cx="2649600" cy="1801800"/>
           </a:xfrm>
           <a:prstGeom prst="rect">
             <a:avLst/>
@@ -2662,8 +2663,8 @@
         </p:nvSpPr>
         <p:spPr>
           <a:xfrm>
-            <a:off x="6022080" y="2761920"/>
-            <a:ext cx="2649600" cy="1422720"/>
+            <a:off x="6022080" y="2888640"/>
+            <a:ext cx="2649600" cy="1801800"/>
           </a:xfrm>
           <a:prstGeom prst="rect">
             <a:avLst/>
@@ -2701,7 +2702,7 @@
         <p:txBody>
           <a:bodyPr/>
           <a:p>
-            <a:fld id="{C6D2292C-56B2-4CC0-BC00-FB2C80B054BC}" type="slidenum">
+            <a:fld id="{43FB9303-2539-4C61-877A-522CDD8F8A6E}" type="slidenum">
               <a:t>&lt;#&gt;</a:t>
             </a:fld>
           </a:p>
@@ -2743,7 +2744,7 @@
         <p:txBody>
           <a:bodyPr/>
           <a:p>
-            <a:fld id="{E442687A-261B-4686-9260-13EE5ED5B4B9}" type="slidenum">
+            <a:fld id="{2650C17E-F3C6-499C-9F3E-4C4195E03915}" type="slidenum">
               <a:t>&lt;#&gt;</a:t>
             </a:fld>
           </a:p>
@@ -2783,8 +2784,8 @@
         </p:nvSpPr>
         <p:spPr>
           <a:xfrm>
-            <a:off x="824040" y="1613880"/>
-            <a:ext cx="4255200" cy="1872720"/>
+            <a:off x="457200" y="306720"/>
+            <a:ext cx="8229240" cy="421200"/>
           </a:xfrm>
           <a:prstGeom prst="rect">
             <a:avLst/>
@@ -2820,8 +2821,8 @@
         </p:nvSpPr>
         <p:spPr>
           <a:xfrm>
-            <a:off x="457200" y="1203480"/>
-            <a:ext cx="8229240" cy="2982960"/>
+            <a:off x="457200" y="915120"/>
+            <a:ext cx="8229240" cy="3777480"/>
           </a:xfrm>
           <a:prstGeom prst="rect">
             <a:avLst/>
@@ -2859,7 +2860,7 @@
         <p:txBody>
           <a:bodyPr/>
           <a:p>
-            <a:fld id="{4F4B7076-F42D-4135-8788-6E589999E537}" type="slidenum">
+            <a:fld id="{ECD4A4FE-A3DE-41C2-A604-84A0ECACF948}" type="slidenum">
               <a:t>&lt;#&gt;</a:t>
             </a:fld>
           </a:p>
@@ -2899,8 +2900,8 @@
         </p:nvSpPr>
         <p:spPr>
           <a:xfrm>
-            <a:off x="824040" y="1613880"/>
-            <a:ext cx="4255200" cy="1872720"/>
+            <a:off x="457200" y="306720"/>
+            <a:ext cx="8229240" cy="421200"/>
           </a:xfrm>
           <a:prstGeom prst="rect">
             <a:avLst/>
@@ -2936,8 +2937,8 @@
         </p:nvSpPr>
         <p:spPr>
           <a:xfrm>
-            <a:off x="457200" y="1203480"/>
-            <a:ext cx="8229240" cy="2982960"/>
+            <a:off x="457200" y="915120"/>
+            <a:ext cx="8229240" cy="3777480"/>
           </a:xfrm>
           <a:prstGeom prst="rect">
             <a:avLst/>
@@ -2975,7 +2976,7 @@
         <p:txBody>
           <a:bodyPr/>
           <a:p>
-            <a:fld id="{10F3D2DB-C484-4E5C-AEE7-B46971FABBE7}" type="slidenum">
+            <a:fld id="{50537331-DC7C-4D47-8B5D-663C90631F30}" type="slidenum">
               <a:t>&lt;#&gt;</a:t>
             </a:fld>
           </a:p>
@@ -3015,8 +3016,8 @@
         </p:nvSpPr>
         <p:spPr>
           <a:xfrm>
-            <a:off x="824040" y="1613880"/>
-            <a:ext cx="4255200" cy="1872720"/>
+            <a:off x="457200" y="306720"/>
+            <a:ext cx="8229240" cy="421200"/>
           </a:xfrm>
           <a:prstGeom prst="rect">
             <a:avLst/>
@@ -3052,8 +3053,8 @@
         </p:nvSpPr>
         <p:spPr>
           <a:xfrm>
-            <a:off x="457200" y="1203480"/>
-            <a:ext cx="4015800" cy="2982960"/>
+            <a:off x="457200" y="915120"/>
+            <a:ext cx="4015800" cy="3777480"/>
           </a:xfrm>
           <a:prstGeom prst="rect">
             <a:avLst/>
@@ -3089,8 +3090,8 @@
         </p:nvSpPr>
         <p:spPr>
           <a:xfrm>
-            <a:off x="4674240" y="1203480"/>
-            <a:ext cx="4015800" cy="2982960"/>
+            <a:off x="4674240" y="915120"/>
+            <a:ext cx="4015800" cy="3777480"/>
           </a:xfrm>
           <a:prstGeom prst="rect">
             <a:avLst/>
@@ -3128,7 +3129,7 @@
         <p:txBody>
           <a:bodyPr/>
           <a:p>
-            <a:fld id="{0E1A567F-ECEF-4F40-B1DF-A16B827EB4BF}" type="slidenum">
+            <a:fld id="{DAD94A90-F341-4061-B72A-8D032E34AC72}" type="slidenum">
               <a:t>&lt;#&gt;</a:t>
             </a:fld>
           </a:p>
@@ -3168,8 +3169,8 @@
         </p:nvSpPr>
         <p:spPr>
           <a:xfrm>
-            <a:off x="824040" y="1613880"/>
-            <a:ext cx="4255200" cy="1872720"/>
+            <a:off x="457200" y="306720"/>
+            <a:ext cx="8229240" cy="421200"/>
           </a:xfrm>
           <a:prstGeom prst="rect">
             <a:avLst/>
@@ -3207,7 +3208,7 @@
         <p:txBody>
           <a:bodyPr/>
           <a:p>
-            <a:fld id="{F2E4431C-8DC4-417E-9142-0C4A3CCF8E96}" type="slidenum">
+            <a:fld id="{432873E9-E095-40D0-AF9A-C3B0C5B2152A}" type="slidenum">
               <a:t>&lt;#&gt;</a:t>
             </a:fld>
           </a:p>
@@ -3247,8 +3248,8 @@
         </p:nvSpPr>
         <p:spPr>
           <a:xfrm>
-            <a:off x="824040" y="1613880"/>
-            <a:ext cx="4255200" cy="1872720"/>
+            <a:off x="457200" y="306720"/>
+            <a:ext cx="8229240" cy="421200"/>
           </a:xfrm>
           <a:prstGeom prst="rect">
             <a:avLst/>
@@ -3284,8 +3285,8 @@
         </p:nvSpPr>
         <p:spPr>
           <a:xfrm>
-            <a:off x="457200" y="1203480"/>
-            <a:ext cx="8229240" cy="2982960"/>
+            <a:off x="457200" y="915120"/>
+            <a:ext cx="8229240" cy="3777480"/>
           </a:xfrm>
           <a:prstGeom prst="rect">
             <a:avLst/>
@@ -3323,7 +3324,7 @@
         <p:txBody>
           <a:bodyPr/>
           <a:p>
-            <a:fld id="{5D4CF383-35F4-4F0B-8E40-CF4E2FDF59E6}" type="slidenum">
+            <a:fld id="{80C7464E-9A98-42FC-BB58-F6EA5FDB1069}" type="slidenum">
               <a:t>&lt;#&gt;</a:t>
             </a:fld>
           </a:p>
@@ -3363,8 +3364,8 @@
         </p:nvSpPr>
         <p:spPr>
           <a:xfrm>
-            <a:off x="824040" y="1613880"/>
-            <a:ext cx="4255200" cy="8682120"/>
+            <a:off x="457200" y="306720"/>
+            <a:ext cx="8229240" cy="1953720"/>
           </a:xfrm>
           <a:prstGeom prst="rect">
             <a:avLst/>
@@ -3402,7 +3403,7 @@
         <p:txBody>
           <a:bodyPr/>
           <a:p>
-            <a:fld id="{8EB3BB1E-7267-4962-8587-1C1DEDE20B8F}" type="slidenum">
+            <a:fld id="{7AEDDF79-3E8D-48F5-B7BA-E84E6DB20A53}" type="slidenum">
               <a:t>&lt;#&gt;</a:t>
             </a:fld>
           </a:p>
@@ -3442,8 +3443,8 @@
         </p:nvSpPr>
         <p:spPr>
           <a:xfrm>
-            <a:off x="824040" y="1613880"/>
-            <a:ext cx="4255200" cy="1872720"/>
+            <a:off x="457200" y="306720"/>
+            <a:ext cx="8229240" cy="421200"/>
           </a:xfrm>
           <a:prstGeom prst="rect">
             <a:avLst/>
@@ -3479,8 +3480,8 @@
         </p:nvSpPr>
         <p:spPr>
           <a:xfrm>
-            <a:off x="457200" y="1203480"/>
-            <a:ext cx="4015800" cy="1422720"/>
+            <a:off x="457200" y="915120"/>
+            <a:ext cx="4015800" cy="1801800"/>
           </a:xfrm>
           <a:prstGeom prst="rect">
             <a:avLst/>
@@ -3516,8 +3517,8 @@
         </p:nvSpPr>
         <p:spPr>
           <a:xfrm>
-            <a:off x="4674240" y="1203480"/>
-            <a:ext cx="4015800" cy="2982960"/>
+            <a:off x="4674240" y="915120"/>
+            <a:ext cx="4015800" cy="3777480"/>
           </a:xfrm>
           <a:prstGeom prst="rect">
             <a:avLst/>
@@ -3553,8 +3554,8 @@
         </p:nvSpPr>
         <p:spPr>
           <a:xfrm>
-            <a:off x="457200" y="2761920"/>
-            <a:ext cx="4015800" cy="1422720"/>
+            <a:off x="457200" y="2888640"/>
+            <a:ext cx="4015800" cy="1801800"/>
           </a:xfrm>
           <a:prstGeom prst="rect">
             <a:avLst/>
@@ -3592,7 +3593,7 @@
         <p:txBody>
           <a:bodyPr/>
           <a:p>
-            <a:fld id="{6B1E2A3B-3E45-411A-960E-8D14AAE32766}" type="slidenum">
+            <a:fld id="{72FCF1A2-4D20-4604-B470-18F03B4D12F1}" type="slidenum">
               <a:t>&lt;#&gt;</a:t>
             </a:fld>
           </a:p>
@@ -3632,8 +3633,8 @@
         </p:nvSpPr>
         <p:spPr>
           <a:xfrm>
-            <a:off x="824040" y="1613880"/>
-            <a:ext cx="4255200" cy="1872720"/>
+            <a:off x="457200" y="306720"/>
+            <a:ext cx="8229240" cy="421200"/>
           </a:xfrm>
           <a:prstGeom prst="rect">
             <a:avLst/>
@@ -3669,8 +3670,8 @@
         </p:nvSpPr>
         <p:spPr>
           <a:xfrm>
-            <a:off x="457200" y="1203480"/>
-            <a:ext cx="4015800" cy="2982960"/>
+            <a:off x="457200" y="915120"/>
+            <a:ext cx="4015800" cy="3777480"/>
           </a:xfrm>
           <a:prstGeom prst="rect">
             <a:avLst/>
@@ -3706,8 +3707,8 @@
         </p:nvSpPr>
         <p:spPr>
           <a:xfrm>
-            <a:off x="4674240" y="1203480"/>
-            <a:ext cx="4015800" cy="1422720"/>
+            <a:off x="4674240" y="915120"/>
+            <a:ext cx="4015800" cy="1801800"/>
           </a:xfrm>
           <a:prstGeom prst="rect">
             <a:avLst/>
@@ -3743,8 +3744,8 @@
         </p:nvSpPr>
         <p:spPr>
           <a:xfrm>
-            <a:off x="4674240" y="2761920"/>
-            <a:ext cx="4015800" cy="1422720"/>
+            <a:off x="4674240" y="2888640"/>
+            <a:ext cx="4015800" cy="1801800"/>
           </a:xfrm>
           <a:prstGeom prst="rect">
             <a:avLst/>
@@ -3782,7 +3783,7 @@
         <p:txBody>
           <a:bodyPr/>
           <a:p>
-            <a:fld id="{DB6BFBB9-A582-41B4-84FB-87C6FEA395E7}" type="slidenum">
+            <a:fld id="{5A68CEAA-4D18-488E-A44F-5048FFDC4F08}" type="slidenum">
               <a:t>&lt;#&gt;</a:t>
             </a:fld>
           </a:p>
@@ -3822,8 +3823,8 @@
         </p:nvSpPr>
         <p:spPr>
           <a:xfrm>
-            <a:off x="824040" y="1613880"/>
-            <a:ext cx="4255200" cy="1872720"/>
+            <a:off x="457200" y="306720"/>
+            <a:ext cx="8229240" cy="421200"/>
           </a:xfrm>
           <a:prstGeom prst="rect">
             <a:avLst/>
@@ -3859,8 +3860,8 @@
         </p:nvSpPr>
         <p:spPr>
           <a:xfrm>
-            <a:off x="457200" y="1203480"/>
-            <a:ext cx="4015800" cy="1422720"/>
+            <a:off x="457200" y="915120"/>
+            <a:ext cx="4015800" cy="1801800"/>
           </a:xfrm>
           <a:prstGeom prst="rect">
             <a:avLst/>
@@ -3896,8 +3897,8 @@
         </p:nvSpPr>
         <p:spPr>
           <a:xfrm>
-            <a:off x="4674240" y="1203480"/>
-            <a:ext cx="4015800" cy="1422720"/>
+            <a:off x="4674240" y="915120"/>
+            <a:ext cx="4015800" cy="1801800"/>
           </a:xfrm>
           <a:prstGeom prst="rect">
             <a:avLst/>
@@ -3933,8 +3934,8 @@
         </p:nvSpPr>
         <p:spPr>
           <a:xfrm>
-            <a:off x="457200" y="2761920"/>
-            <a:ext cx="8229240" cy="1422720"/>
+            <a:off x="457200" y="2888640"/>
+            <a:ext cx="8229240" cy="1801800"/>
           </a:xfrm>
           <a:prstGeom prst="rect">
             <a:avLst/>
@@ -3972,7 +3973,7 @@
         <p:txBody>
           <a:bodyPr/>
           <a:p>
-            <a:fld id="{F11559E4-38E6-40D7-B581-F446BDCA5DFF}" type="slidenum">
+            <a:fld id="{F265F883-7FCD-40D1-B7F8-06CD3F8C6392}" type="slidenum">
               <a:t>&lt;#&gt;</a:t>
             </a:fld>
           </a:p>
@@ -4012,8 +4013,8 @@
         </p:nvSpPr>
         <p:spPr>
           <a:xfrm>
-            <a:off x="824040" y="1613880"/>
-            <a:ext cx="4255200" cy="1872720"/>
+            <a:off x="457200" y="306720"/>
+            <a:ext cx="8229240" cy="421200"/>
           </a:xfrm>
           <a:prstGeom prst="rect">
             <a:avLst/>
@@ -4049,8 +4050,8 @@
         </p:nvSpPr>
         <p:spPr>
           <a:xfrm>
-            <a:off x="457200" y="1203480"/>
-            <a:ext cx="8229240" cy="1422720"/>
+            <a:off x="457200" y="915120"/>
+            <a:ext cx="8229240" cy="1801800"/>
           </a:xfrm>
           <a:prstGeom prst="rect">
             <a:avLst/>
@@ -4086,8 +4087,8 @@
         </p:nvSpPr>
         <p:spPr>
           <a:xfrm>
-            <a:off x="457200" y="2761920"/>
-            <a:ext cx="8229240" cy="1422720"/>
+            <a:off x="457200" y="2888640"/>
+            <a:ext cx="8229240" cy="1801800"/>
           </a:xfrm>
           <a:prstGeom prst="rect">
             <a:avLst/>
@@ -4125,7 +4126,7 @@
         <p:txBody>
           <a:bodyPr/>
           <a:p>
-            <a:fld id="{6D20980F-05EA-4AFF-B1B5-701D912D50DB}" type="slidenum">
+            <a:fld id="{A302BDFF-46C1-4ECC-A89C-4919C0A8968D}" type="slidenum">
               <a:t>&lt;#&gt;</a:t>
             </a:fld>
           </a:p>
@@ -4165,8 +4166,8 @@
         </p:nvSpPr>
         <p:spPr>
           <a:xfrm>
-            <a:off x="824040" y="1613880"/>
-            <a:ext cx="4255200" cy="1872720"/>
+            <a:off x="457200" y="306720"/>
+            <a:ext cx="8229240" cy="421200"/>
           </a:xfrm>
           <a:prstGeom prst="rect">
             <a:avLst/>
@@ -4202,8 +4203,8 @@
         </p:nvSpPr>
         <p:spPr>
           <a:xfrm>
-            <a:off x="457200" y="1203480"/>
-            <a:ext cx="4015800" cy="1422720"/>
+            <a:off x="457200" y="915120"/>
+            <a:ext cx="4015800" cy="1801800"/>
           </a:xfrm>
           <a:prstGeom prst="rect">
             <a:avLst/>
@@ -4239,8 +4240,8 @@
         </p:nvSpPr>
         <p:spPr>
           <a:xfrm>
-            <a:off x="4674240" y="1203480"/>
-            <a:ext cx="4015800" cy="1422720"/>
+            <a:off x="4674240" y="915120"/>
+            <a:ext cx="4015800" cy="1801800"/>
           </a:xfrm>
           <a:prstGeom prst="rect">
             <a:avLst/>
@@ -4276,8 +4277,8 @@
         </p:nvSpPr>
         <p:spPr>
           <a:xfrm>
-            <a:off x="457200" y="2761920"/>
-            <a:ext cx="4015800" cy="1422720"/>
+            <a:off x="457200" y="2888640"/>
+            <a:ext cx="4015800" cy="1801800"/>
           </a:xfrm>
           <a:prstGeom prst="rect">
             <a:avLst/>
@@ -4313,8 +4314,8 @@
         </p:nvSpPr>
         <p:spPr>
           <a:xfrm>
-            <a:off x="4674240" y="2761920"/>
-            <a:ext cx="4015800" cy="1422720"/>
+            <a:off x="4674240" y="2888640"/>
+            <a:ext cx="4015800" cy="1801800"/>
           </a:xfrm>
           <a:prstGeom prst="rect">
             <a:avLst/>
@@ -4352,7 +4353,7 @@
         <p:txBody>
           <a:bodyPr/>
           <a:p>
-            <a:fld id="{B008C1D2-EA2B-4117-A6B8-C94136D77A0A}" type="slidenum">
+            <a:fld id="{CA68CB69-4598-4A6D-BD73-166833167E83}" type="slidenum">
               <a:t>&lt;#&gt;</a:t>
             </a:fld>
           </a:p>
@@ -4392,8 +4393,8 @@
         </p:nvSpPr>
         <p:spPr>
           <a:xfrm>
-            <a:off x="824040" y="1613880"/>
-            <a:ext cx="4255200" cy="1872720"/>
+            <a:off x="457200" y="306720"/>
+            <a:ext cx="8229240" cy="421200"/>
           </a:xfrm>
           <a:prstGeom prst="rect">
             <a:avLst/>
@@ -4429,8 +4430,8 @@
         </p:nvSpPr>
         <p:spPr>
           <a:xfrm>
-            <a:off x="457200" y="1203480"/>
-            <a:ext cx="2649600" cy="1422720"/>
+            <a:off x="457200" y="915120"/>
+            <a:ext cx="2649600" cy="1801800"/>
           </a:xfrm>
           <a:prstGeom prst="rect">
             <a:avLst/>
@@ -4466,8 +4467,8 @@
         </p:nvSpPr>
         <p:spPr>
           <a:xfrm>
-            <a:off x="3239640" y="1203480"/>
-            <a:ext cx="2649600" cy="1422720"/>
+            <a:off x="3239640" y="915120"/>
+            <a:ext cx="2649600" cy="1801800"/>
           </a:xfrm>
           <a:prstGeom prst="rect">
             <a:avLst/>
@@ -4503,8 +4504,8 @@
         </p:nvSpPr>
         <p:spPr>
           <a:xfrm>
-            <a:off x="6022080" y="1203480"/>
-            <a:ext cx="2649600" cy="1422720"/>
+            <a:off x="6022080" y="915120"/>
+            <a:ext cx="2649600" cy="1801800"/>
           </a:xfrm>
           <a:prstGeom prst="rect">
             <a:avLst/>
@@ -4540,8 +4541,8 @@
         </p:nvSpPr>
         <p:spPr>
           <a:xfrm>
-            <a:off x="457200" y="2761920"/>
-            <a:ext cx="2649600" cy="1422720"/>
+            <a:off x="457200" y="2888640"/>
+            <a:ext cx="2649600" cy="1801800"/>
           </a:xfrm>
           <a:prstGeom prst="rect">
             <a:avLst/>
@@ -4577,8 +4578,8 @@
         </p:nvSpPr>
         <p:spPr>
           <a:xfrm>
-            <a:off x="3239640" y="2761920"/>
-            <a:ext cx="2649600" cy="1422720"/>
+            <a:off x="3239640" y="2888640"/>
+            <a:ext cx="2649600" cy="1801800"/>
           </a:xfrm>
           <a:prstGeom prst="rect">
             <a:avLst/>
@@ -4614,8 +4615,8 @@
         </p:nvSpPr>
         <p:spPr>
           <a:xfrm>
-            <a:off x="6022080" y="2761920"/>
-            <a:ext cx="2649600" cy="1422720"/>
+            <a:off x="6022080" y="2888640"/>
+            <a:ext cx="2649600" cy="1801800"/>
           </a:xfrm>
           <a:prstGeom prst="rect">
             <a:avLst/>
@@ -4653,7 +4654,7 @@
         <p:txBody>
           <a:bodyPr/>
           <a:p>
-            <a:fld id="{DE322094-32A6-43D7-8200-E7A2FD6BFB65}" type="slidenum">
+            <a:fld id="{4E2A61AD-7823-4E19-8FCF-C743D9897D00}" type="slidenum">
               <a:t>&lt;#&gt;</a:t>
             </a:fld>
           </a:p>
@@ -4693,8 +4694,8 @@
         </p:nvSpPr>
         <p:spPr>
           <a:xfrm>
-            <a:off x="824040" y="1613880"/>
-            <a:ext cx="4255200" cy="1872720"/>
+            <a:off x="457200" y="306720"/>
+            <a:ext cx="8229240" cy="421200"/>
           </a:xfrm>
           <a:prstGeom prst="rect">
             <a:avLst/>
@@ -4730,8 +4731,8 @@
         </p:nvSpPr>
         <p:spPr>
           <a:xfrm>
-            <a:off x="457200" y="1203480"/>
-            <a:ext cx="4015800" cy="2982960"/>
+            <a:off x="457200" y="915120"/>
+            <a:ext cx="4015800" cy="3777480"/>
           </a:xfrm>
           <a:prstGeom prst="rect">
             <a:avLst/>
@@ -4767,8 +4768,8 @@
         </p:nvSpPr>
         <p:spPr>
           <a:xfrm>
-            <a:off x="4674240" y="1203480"/>
-            <a:ext cx="4015800" cy="2982960"/>
+            <a:off x="4674240" y="915120"/>
+            <a:ext cx="4015800" cy="3777480"/>
           </a:xfrm>
           <a:prstGeom prst="rect">
             <a:avLst/>
@@ -4806,7 +4807,7 @@
         <p:txBody>
           <a:bodyPr/>
           <a:p>
-            <a:fld id="{6061D5E6-A043-4754-878C-F374946AB1DE}" type="slidenum">
+            <a:fld id="{02B358CF-87F1-4ED7-9D4E-6994624B9EC5}" type="slidenum">
               <a:t>&lt;#&gt;</a:t>
             </a:fld>
           </a:p>
@@ -4846,8 +4847,8 @@
         </p:nvSpPr>
         <p:spPr>
           <a:xfrm>
-            <a:off x="824040" y="1613880"/>
-            <a:ext cx="4255200" cy="1872720"/>
+            <a:off x="457200" y="306720"/>
+            <a:ext cx="8229240" cy="421200"/>
           </a:xfrm>
           <a:prstGeom prst="rect">
             <a:avLst/>
@@ -4885,7 +4886,7 @@
         <p:txBody>
           <a:bodyPr/>
           <a:p>
-            <a:fld id="{BD7EC4A6-FA57-4583-B014-5C6C98727EF3}" type="slidenum">
+            <a:fld id="{AE4713D1-F51D-42D9-AD59-3C8FDBD8CED6}" type="slidenum">
               <a:t>&lt;#&gt;</a:t>
             </a:fld>
           </a:p>
@@ -4925,8 +4926,8 @@
         </p:nvSpPr>
         <p:spPr>
           <a:xfrm>
-            <a:off x="824040" y="1613880"/>
-            <a:ext cx="4255200" cy="8682120"/>
+            <a:off x="457200" y="306720"/>
+            <a:ext cx="8229240" cy="1953720"/>
           </a:xfrm>
           <a:prstGeom prst="rect">
             <a:avLst/>
@@ -4964,7 +4965,7 @@
         <p:txBody>
           <a:bodyPr/>
           <a:p>
-            <a:fld id="{76BD2F75-C9A7-4E2D-9CDA-C98571EDC9C8}" type="slidenum">
+            <a:fld id="{4C498A5D-88B4-4E7A-9014-0EC40BDF3DCB}" type="slidenum">
               <a:t>&lt;#&gt;</a:t>
             </a:fld>
           </a:p>
@@ -5004,8 +5005,8 @@
         </p:nvSpPr>
         <p:spPr>
           <a:xfrm>
-            <a:off x="824040" y="1613880"/>
-            <a:ext cx="4255200" cy="1872720"/>
+            <a:off x="457200" y="306720"/>
+            <a:ext cx="8229240" cy="421200"/>
           </a:xfrm>
           <a:prstGeom prst="rect">
             <a:avLst/>
@@ -5041,8 +5042,8 @@
         </p:nvSpPr>
         <p:spPr>
           <a:xfrm>
-            <a:off x="457200" y="1203480"/>
-            <a:ext cx="4015800" cy="1422720"/>
+            <a:off x="457200" y="915120"/>
+            <a:ext cx="4015800" cy="1801800"/>
           </a:xfrm>
           <a:prstGeom prst="rect">
             <a:avLst/>
@@ -5078,8 +5079,8 @@
         </p:nvSpPr>
         <p:spPr>
           <a:xfrm>
-            <a:off x="4674240" y="1203480"/>
-            <a:ext cx="4015800" cy="2982960"/>
+            <a:off x="4674240" y="915120"/>
+            <a:ext cx="4015800" cy="3777480"/>
           </a:xfrm>
           <a:prstGeom prst="rect">
             <a:avLst/>
@@ -5115,8 +5116,8 @@
         </p:nvSpPr>
         <p:spPr>
           <a:xfrm>
-            <a:off x="457200" y="2761920"/>
-            <a:ext cx="4015800" cy="1422720"/>
+            <a:off x="457200" y="2888640"/>
+            <a:ext cx="4015800" cy="1801800"/>
           </a:xfrm>
           <a:prstGeom prst="rect">
             <a:avLst/>
@@ -5154,7 +5155,7 @@
         <p:txBody>
           <a:bodyPr/>
           <a:p>
-            <a:fld id="{EA008CEC-2A93-44E6-B470-EE8C97E55927}" type="slidenum">
+            <a:fld id="{14497624-7A98-4644-A5A0-7EC09EB7946A}" type="slidenum">
               <a:t>&lt;#&gt;</a:t>
             </a:fld>
           </a:p>
@@ -5194,8 +5195,8 @@
         </p:nvSpPr>
         <p:spPr>
           <a:xfrm>
-            <a:off x="824040" y="1613880"/>
-            <a:ext cx="4255200" cy="1872720"/>
+            <a:off x="457200" y="306720"/>
+            <a:ext cx="8229240" cy="421200"/>
           </a:xfrm>
           <a:prstGeom prst="rect">
             <a:avLst/>
@@ -5231,8 +5232,8 @@
         </p:nvSpPr>
         <p:spPr>
           <a:xfrm>
-            <a:off x="457200" y="1203480"/>
-            <a:ext cx="4015800" cy="2982960"/>
+            <a:off x="457200" y="915120"/>
+            <a:ext cx="4015800" cy="3777480"/>
           </a:xfrm>
           <a:prstGeom prst="rect">
             <a:avLst/>
@@ -5268,8 +5269,8 @@
         </p:nvSpPr>
         <p:spPr>
           <a:xfrm>
-            <a:off x="4674240" y="1203480"/>
-            <a:ext cx="4015800" cy="1422720"/>
+            <a:off x="4674240" y="915120"/>
+            <a:ext cx="4015800" cy="1801800"/>
           </a:xfrm>
           <a:prstGeom prst="rect">
             <a:avLst/>
@@ -5305,8 +5306,8 @@
         </p:nvSpPr>
         <p:spPr>
           <a:xfrm>
-            <a:off x="4674240" y="2761920"/>
-            <a:ext cx="4015800" cy="1422720"/>
+            <a:off x="4674240" y="2888640"/>
+            <a:ext cx="4015800" cy="1801800"/>
           </a:xfrm>
           <a:prstGeom prst="rect">
             <a:avLst/>
@@ -5344,7 +5345,7 @@
         <p:txBody>
           <a:bodyPr/>
           <a:p>
-            <a:fld id="{C4E3DA40-1390-4A53-B81B-12A9633B6C31}" type="slidenum">
+            <a:fld id="{F4FB0359-7779-4C45-97D8-E43807643BF0}" type="slidenum">
               <a:t>&lt;#&gt;</a:t>
             </a:fld>
           </a:p>
@@ -5384,8 +5385,8 @@
         </p:nvSpPr>
         <p:spPr>
           <a:xfrm>
-            <a:off x="824040" y="1613880"/>
-            <a:ext cx="4255200" cy="1872720"/>
+            <a:off x="457200" y="306720"/>
+            <a:ext cx="8229240" cy="421200"/>
           </a:xfrm>
           <a:prstGeom prst="rect">
             <a:avLst/>
@@ -5421,8 +5422,8 @@
         </p:nvSpPr>
         <p:spPr>
           <a:xfrm>
-            <a:off x="457200" y="1203480"/>
-            <a:ext cx="4015800" cy="1422720"/>
+            <a:off x="457200" y="915120"/>
+            <a:ext cx="4015800" cy="1801800"/>
           </a:xfrm>
           <a:prstGeom prst="rect">
             <a:avLst/>
@@ -5458,8 +5459,8 @@
         </p:nvSpPr>
         <p:spPr>
           <a:xfrm>
-            <a:off x="4674240" y="1203480"/>
-            <a:ext cx="4015800" cy="1422720"/>
+            <a:off x="4674240" y="915120"/>
+            <a:ext cx="4015800" cy="1801800"/>
           </a:xfrm>
           <a:prstGeom prst="rect">
             <a:avLst/>
@@ -5495,8 +5496,8 @@
         </p:nvSpPr>
         <p:spPr>
           <a:xfrm>
-            <a:off x="457200" y="2761920"/>
-            <a:ext cx="8229240" cy="1422720"/>
+            <a:off x="457200" y="2888640"/>
+            <a:ext cx="8229240" cy="1801800"/>
           </a:xfrm>
           <a:prstGeom prst="rect">
             <a:avLst/>
@@ -5534,7 +5535,7 @@
         <p:txBody>
           <a:bodyPr/>
           <a:p>
-            <a:fld id="{23C2E7A8-A82C-4183-A323-2E5C6A9AD28A}" type="slidenum">
+            <a:fld id="{FB69A13D-DBF2-402B-960F-6DFE505F5B94}" type="slidenum">
               <a:t>&lt;#&gt;</a:t>
             </a:fld>
           </a:p>
@@ -6622,7 +6623,34 @@
                 </a:solidFill>
                 <a:latin typeface="Arial"/>
               </a:rPr>
-              <a:t>Click to edit the title text format</a:t>
+              <a:t>Click to </a:t>
+            </a:r>
+            <a:r>
+              <a:rPr b="0" lang="en-US" sz="3600" spc="-1" strike="noStrike">
+                <a:solidFill>
+                  <a:srgbClr val="000000"/>
+                </a:solidFill>
+                <a:latin typeface="Arial"/>
+              </a:rPr>
+              <a:t>edit the </a:t>
+            </a:r>
+            <a:r>
+              <a:rPr b="0" lang="en-US" sz="3600" spc="-1" strike="noStrike">
+                <a:solidFill>
+                  <a:srgbClr val="000000"/>
+                </a:solidFill>
+                <a:latin typeface="Arial"/>
+              </a:rPr>
+              <a:t>title text </a:t>
+            </a:r>
+            <a:r>
+              <a:rPr b="0" lang="en-US" sz="3600" spc="-1" strike="noStrike">
+                <a:solidFill>
+                  <a:srgbClr val="000000"/>
+                </a:solidFill>
+                <a:latin typeface="Arial"/>
+              </a:rPr>
+              <a:t>format</a:t>
             </a:r>
             <a:endParaRPr b="0" lang="en-US" sz="3600" spc="-1" strike="noStrike">
               <a:solidFill>
@@ -6688,7 +6716,7 @@
                 <a:tab algn="l" pos="0"/>
               </a:tabLst>
             </a:pPr>
-            <a:fld id="{16F44A3D-655C-43DB-B68F-5ADAE420AF5F}" type="slidenum">
+            <a:fld id="{4137D196-1D09-4BBA-AE3E-0FDACE61E2CD}" type="slidenum">
               <a:rPr b="0" lang="id" sz="900" spc="-1" strike="noStrike">
                 <a:solidFill>
                   <a:srgbClr val="ffffff"/>
@@ -7074,7 +7102,7 @@
                 <a:tab algn="l" pos="0"/>
               </a:tabLst>
             </a:pPr>
-            <a:fld id="{C7B4B1B2-561E-4003-9F3E-546CE8799FD7}" type="slidenum">
+            <a:fld id="{2BA25A88-945A-4FBD-8DB1-1143AC8F5584}" type="slidenum">
               <a:rPr b="0" lang="id" sz="1000" spc="-1" strike="noStrike">
                 <a:solidFill>
                   <a:srgbClr val="595959"/>
@@ -7685,7 +7713,7 @@
                 <a:tab algn="l" pos="0"/>
               </a:tabLst>
             </a:pPr>
-            <a:fld id="{DE124483-E411-463B-9F53-8A38A94D608F}" type="slidenum">
+            <a:fld id="{CED0A41D-310F-492C-8E78-94CDD72EDA6C}" type="slidenum">
               <a:rPr b="0" lang="en-US" sz="900" spc="-1" strike="noStrike">
                 <a:solidFill>
                   <a:srgbClr val="7f7f7f"/>
@@ -14813,6 +14841,243 @@
 </p:sld>
 </file>
 
+<file path=ppt/slides/slide25.xml><?xml version="1.0" encoding="utf-8"?>
+<p:sld xmlns:a="http://schemas.openxmlformats.org/drawingml/2006/main" xmlns:p="http://schemas.openxmlformats.org/presentationml/2006/main" xmlns:r="http://schemas.openxmlformats.org/officeDocument/2006/relationships" xmlns:p14="http://schemas.microsoft.com/office/powerpoint/2010/main" xmlns:p15="http://schemas.microsoft.com/office/powerpoint/2012/main" xmlns:mc="http://schemas.openxmlformats.org/markup-compatibility/2006">
+  <p:cSld>
+    <p:spTree>
+      <p:nvGrpSpPr>
+        <p:cNvPr id="1" name=""/>
+        <p:cNvGrpSpPr/>
+        <p:nvPr/>
+      </p:nvGrpSpPr>
+      <p:grpSpPr>
+        <a:xfrm>
+          <a:off x="0" y="0"/>
+          <a:ext cx="0" cy="0"/>
+          <a:chOff x="0" y="0"/>
+          <a:chExt cx="0" cy="0"/>
+        </a:xfrm>
+      </p:grpSpPr>
+      <p:sp>
+        <p:nvSpPr>
+          <p:cNvPr id="318" name="PlaceHolder 1"/>
+          <p:cNvSpPr>
+            <a:spLocks noGrp="1"/>
+          </p:cNvSpPr>
+          <p:nvPr>
+            <p:ph type="title"/>
+          </p:nvPr>
+        </p:nvSpPr>
+        <p:spPr>
+          <a:xfrm>
+            <a:off x="300240" y="216720"/>
+            <a:ext cx="5033520" cy="342360"/>
+          </a:xfrm>
+          <a:prstGeom prst="rect">
+            <a:avLst/>
+          </a:prstGeom>
+          <a:noFill/>
+          <a:ln w="0">
+            <a:noFill/>
+          </a:ln>
+        </p:spPr>
+        <p:txBody>
+          <a:bodyPr lIns="64440" rIns="64440" tIns="32040" bIns="32040" anchor="ctr">
+            <a:noAutofit/>
+          </a:bodyPr>
+          <a:p>
+            <a:pPr>
+              <a:lnSpc>
+                <a:spcPct val="100000"/>
+              </a:lnSpc>
+              <a:buNone/>
+              <a:tabLst>
+                <a:tab algn="l" pos="0"/>
+              </a:tabLst>
+            </a:pPr>
+            <a:r>
+              <a:rPr b="1" lang="en-US" sz="2000" spc="-1" strike="noStrike">
+                <a:solidFill>
+                  <a:srgbClr val="366092"/>
+                </a:solidFill>
+                <a:latin typeface="Arial"/>
+                <a:ea typeface="Arial"/>
+              </a:rPr>
+              <a:t>Source</a:t>
+            </a:r>
+            <a:endParaRPr b="0" lang="en-US" sz="2000" spc="-1" strike="noStrike">
+              <a:solidFill>
+                <a:srgbClr val="000000"/>
+              </a:solidFill>
+              <a:latin typeface="Arial"/>
+            </a:endParaRPr>
+          </a:p>
+        </p:txBody>
+      </p:sp>
+      <p:sp>
+        <p:nvSpPr>
+          <p:cNvPr id="319" name="Google Shape;93;p 11"/>
+          <p:cNvSpPr/>
+          <p:nvPr/>
+        </p:nvSpPr>
+        <p:spPr>
+          <a:xfrm rot="5400000">
+            <a:off x="794520" y="250560"/>
+            <a:ext cx="85320" cy="884520"/>
+          </a:xfrm>
+          <a:prstGeom prst="rect">
+            <a:avLst/>
+          </a:prstGeom>
+          <a:solidFill>
+            <a:srgbClr val="366092"/>
+          </a:solidFill>
+          <a:ln w="9525">
+            <a:solidFill>
+              <a:srgbClr val="366092"/>
+            </a:solidFill>
+            <a:round/>
+          </a:ln>
+        </p:spPr>
+        <p:style>
+          <a:lnRef idx="0"/>
+          <a:fillRef idx="0"/>
+          <a:effectRef idx="0"/>
+          <a:fontRef idx="minor"/>
+        </p:style>
+      </p:sp>
+      <p:sp>
+        <p:nvSpPr>
+          <p:cNvPr id="320" name="Google Shape;94;p 11"/>
+          <p:cNvSpPr/>
+          <p:nvPr/>
+        </p:nvSpPr>
+        <p:spPr>
+          <a:xfrm>
+            <a:off x="1321920" y="649080"/>
+            <a:ext cx="85320" cy="85320"/>
+          </a:xfrm>
+          <a:prstGeom prst="ellipse">
+            <a:avLst/>
+          </a:prstGeom>
+          <a:solidFill>
+            <a:srgbClr val="366092"/>
+          </a:solidFill>
+          <a:ln w="9525">
+            <a:solidFill>
+              <a:srgbClr val="366092"/>
+            </a:solidFill>
+            <a:round/>
+          </a:ln>
+        </p:spPr>
+        <p:style>
+          <a:lnRef idx="0"/>
+          <a:fillRef idx="0"/>
+          <a:effectRef idx="0"/>
+          <a:fontRef idx="minor"/>
+        </p:style>
+      </p:sp>
+      <p:sp>
+        <p:nvSpPr>
+          <p:cNvPr id="321" name="Google Shape;96;p 11"/>
+          <p:cNvSpPr/>
+          <p:nvPr/>
+        </p:nvSpPr>
+        <p:spPr>
+          <a:xfrm>
+            <a:off x="0" y="965880"/>
+            <a:ext cx="299880" cy="4177080"/>
+          </a:xfrm>
+          <a:prstGeom prst="rect">
+            <a:avLst/>
+          </a:prstGeom>
+          <a:solidFill>
+            <a:srgbClr val="395e89"/>
+          </a:solidFill>
+          <a:ln w="9525">
+            <a:solidFill>
+              <a:srgbClr val="395e89"/>
+            </a:solidFill>
+            <a:round/>
+          </a:ln>
+        </p:spPr>
+        <p:style>
+          <a:lnRef idx="0"/>
+          <a:fillRef idx="0"/>
+          <a:effectRef idx="0"/>
+          <a:fontRef idx="minor"/>
+        </p:style>
+      </p:sp>
+      <p:sp>
+        <p:nvSpPr>
+          <p:cNvPr id="322" name="TextBox 2"/>
+          <p:cNvSpPr/>
+          <p:nvPr/>
+        </p:nvSpPr>
+        <p:spPr>
+          <a:xfrm>
+            <a:off x="531000" y="965880"/>
+            <a:ext cx="8321040" cy="410040"/>
+          </a:xfrm>
+          <a:prstGeom prst="rect">
+            <a:avLst/>
+          </a:prstGeom>
+          <a:solidFill>
+            <a:schemeClr val="bg1">
+              <a:lumMod val="85000"/>
+            </a:schemeClr>
+          </a:solidFill>
+          <a:ln w="0">
+            <a:solidFill>
+              <a:srgbClr val="000000"/>
+            </a:solidFill>
+          </a:ln>
+        </p:spPr>
+        <p:style>
+          <a:lnRef idx="0"/>
+          <a:fillRef idx="0"/>
+          <a:effectRef idx="0"/>
+          <a:fontRef idx="minor"/>
+        </p:style>
+        <p:txBody>
+          <a:bodyPr lIns="90000" rIns="90000" tIns="45000" bIns="45000" anchor="t">
+            <a:spAutoFit/>
+          </a:bodyPr>
+          <a:p>
+            <a:pPr algn="just">
+              <a:lnSpc>
+                <a:spcPct val="150000"/>
+              </a:lnSpc>
+              <a:buNone/>
+            </a:pPr>
+            <a:r>
+              <a:rPr b="0" lang="en-ID" sz="1400" spc="-1" strike="noStrike">
+                <a:solidFill>
+                  <a:srgbClr val="000000"/>
+                </a:solidFill>
+                <a:latin typeface="Arial"/>
+                <a:ea typeface="Arial"/>
+              </a:rPr>
+              <a:t>https://github.com/ghiffaryr/AIQuantAssistant</a:t>
+            </a:r>
+            <a:endParaRPr b="0" lang="en-US" sz="1400" spc="-1" strike="noStrike">
+              <a:latin typeface="Arial"/>
+            </a:endParaRPr>
+          </a:p>
+        </p:txBody>
+      </p:sp>
+    </p:spTree>
+  </p:cSld>
+  <mc:AlternateContent>
+    <mc:Choice Requires="p14">
+      <p:transition spd="slow" p14:dur="2000"/>
+    </mc:Choice>
+    <mc:Fallback>
+      <p:transition spd="slow"/>
+    </mc:Fallback>
+  </mc:AlternateContent>
+</p:sld>
+</file>
+
 <file path=ppt/slides/slide3.xml><?xml version="1.0" encoding="utf-8"?>
 <p:sld xmlns:a="http://schemas.openxmlformats.org/drawingml/2006/main" xmlns:p="http://schemas.openxmlformats.org/presentationml/2006/main" xmlns:r="http://schemas.openxmlformats.org/officeDocument/2006/relationships" xmlns:p14="http://schemas.microsoft.com/office/powerpoint/2010/main" xmlns:p15="http://schemas.microsoft.com/office/powerpoint/2012/main" xmlns:mc="http://schemas.openxmlformats.org/markup-compatibility/2006">
   <p:cSld>
@@ -16437,7 +16702,37 @@
                 <a:latin typeface="Arial"/>
                 <a:ea typeface="Arial"/>
               </a:rPr>
-              <a:t>Technology Stacks: Backend Forecast</a:t>
+              <a:t>Technolog</a:t>
+            </a:r>
+            <a:r>
+              <a:rPr b="1" lang="en-US" sz="2000" spc="-1" strike="noStrike">
+                <a:solidFill>
+                  <a:srgbClr val="366092"/>
+                </a:solidFill>
+                <a:latin typeface="Arial"/>
+                <a:ea typeface="Arial"/>
+              </a:rPr>
+              <a:t>y Stacks: </a:t>
+            </a:r>
+            <a:r>
+              <a:rPr b="1" lang="en-US" sz="2000" spc="-1" strike="noStrike">
+                <a:solidFill>
+                  <a:srgbClr val="366092"/>
+                </a:solidFill>
+                <a:latin typeface="Arial"/>
+                <a:ea typeface="Arial"/>
+              </a:rPr>
+              <a:t>Backend </a:t>
+            </a:r>
+            <a:r>
+              <a:rPr b="1" lang="en-US" sz="2000" spc="-1" strike="noStrike">
+                <a:solidFill>
+                  <a:srgbClr val="366092"/>
+                </a:solidFill>
+                <a:latin typeface="Arial"/>
+                <a:ea typeface="Arial"/>
+              </a:rPr>
+              <a:t>Forecast</a:t>
             </a:r>
             <a:endParaRPr b="0" lang="en-US" sz="2000" spc="-1" strike="noStrike">
               <a:solidFill>

--- a/docs/PPT.pptx
+++ b/docs/PPT.pptx
@@ -8595,13 +8595,20 @@
     <a:masterClrMapping/>
   </p:clrMapOvr>
   <mc:AlternateContent xmlns:mc="http://schemas.openxmlformats.org/markup-compatibility/2006">
-    <mc:Choice xmlns="" xmlns:p14="http://schemas.microsoft.com/office/powerpoint/2010/main" xmlns:p15="http://schemas.microsoft.com/office/powerpoint/2012/main" Requires="p14">
+    <mc:Choice xmlns:p15="http://schemas.microsoft.com/office/powerpoint/2012/main" xmlns:p14="http://schemas.microsoft.com/office/powerpoint/2010/main" xmlns="" Requires="p14">
       <p:transition spd="slow" p14:dur="2000"/>
     </mc:Choice>
     <mc:Fallback>
       <p:transition spd="slow"/>
     </mc:Fallback>
   </mc:AlternateContent>
+  <p:timing>
+    <p:tnLst>
+      <p:par>
+        <p:cTn id="1" dur="indefinite" restart="never" nodeType="tmRoot"/>
+      </p:par>
+    </p:tnLst>
+  </p:timing>
 </p:sld>
 </file>
 
@@ -8890,13 +8897,20 @@
     <a:masterClrMapping/>
   </p:clrMapOvr>
   <mc:AlternateContent xmlns:mc="http://schemas.openxmlformats.org/markup-compatibility/2006">
-    <mc:Choice xmlns="" xmlns:p14="http://schemas.microsoft.com/office/powerpoint/2010/main" xmlns:p15="http://schemas.microsoft.com/office/powerpoint/2012/main" Requires="p14">
+    <mc:Choice xmlns:p15="http://schemas.microsoft.com/office/powerpoint/2012/main" xmlns:p14="http://schemas.microsoft.com/office/powerpoint/2010/main" xmlns="" Requires="p14">
       <p:transition spd="slow" p14:dur="2000"/>
     </mc:Choice>
     <mc:Fallback>
       <p:transition spd="slow"/>
     </mc:Fallback>
   </mc:AlternateContent>
+  <p:timing>
+    <p:tnLst>
+      <p:par>
+        <p:cTn id="1" dur="indefinite" restart="never" nodeType="tmRoot"/>
+      </p:par>
+    </p:tnLst>
+  </p:timing>
 </p:sld>
 </file>
 
@@ -9185,13 +9199,20 @@
     <a:masterClrMapping/>
   </p:clrMapOvr>
   <mc:AlternateContent xmlns:mc="http://schemas.openxmlformats.org/markup-compatibility/2006">
-    <mc:Choice xmlns="" xmlns:p14="http://schemas.microsoft.com/office/powerpoint/2010/main" xmlns:p15="http://schemas.microsoft.com/office/powerpoint/2012/main" Requires="p14">
+    <mc:Choice xmlns:p15="http://schemas.microsoft.com/office/powerpoint/2012/main" xmlns:p14="http://schemas.microsoft.com/office/powerpoint/2010/main" xmlns="" Requires="p14">
       <p:transition spd="slow" p14:dur="2000"/>
     </mc:Choice>
     <mc:Fallback>
       <p:transition spd="slow"/>
     </mc:Fallback>
   </mc:AlternateContent>
+  <p:timing>
+    <p:tnLst>
+      <p:par>
+        <p:cTn id="1" dur="indefinite" restart="never" nodeType="tmRoot"/>
+      </p:par>
+    </p:tnLst>
+  </p:timing>
 </p:sld>
 </file>
 
@@ -9655,13 +9676,20 @@
     <a:masterClrMapping/>
   </p:clrMapOvr>
   <mc:AlternateContent xmlns:mc="http://schemas.openxmlformats.org/markup-compatibility/2006">
-    <mc:Choice xmlns="" xmlns:p14="http://schemas.microsoft.com/office/powerpoint/2010/main" xmlns:p15="http://schemas.microsoft.com/office/powerpoint/2012/main" Requires="p14">
+    <mc:Choice xmlns:p15="http://schemas.microsoft.com/office/powerpoint/2012/main" xmlns:p14="http://schemas.microsoft.com/office/powerpoint/2010/main" xmlns="" Requires="p14">
       <p:transition spd="slow" p14:dur="2000"/>
     </mc:Choice>
     <mc:Fallback>
       <p:transition spd="slow"/>
     </mc:Fallback>
   </mc:AlternateContent>
+  <p:timing>
+    <p:tnLst>
+      <p:par>
+        <p:cTn id="1" dur="indefinite" restart="never" nodeType="tmRoot"/>
+      </p:par>
+    </p:tnLst>
+  </p:timing>
 </p:sld>
 </file>
 
@@ -10175,13 +10203,20 @@
     <a:masterClrMapping/>
   </p:clrMapOvr>
   <mc:AlternateContent xmlns:mc="http://schemas.openxmlformats.org/markup-compatibility/2006">
-    <mc:Choice xmlns="" xmlns:p14="http://schemas.microsoft.com/office/powerpoint/2010/main" xmlns:p15="http://schemas.microsoft.com/office/powerpoint/2012/main" Requires="p14">
+    <mc:Choice xmlns:p15="http://schemas.microsoft.com/office/powerpoint/2012/main" xmlns:p14="http://schemas.microsoft.com/office/powerpoint/2010/main" xmlns="" Requires="p14">
       <p:transition spd="slow" p14:dur="2000"/>
     </mc:Choice>
     <mc:Fallback>
       <p:transition spd="slow"/>
     </mc:Fallback>
   </mc:AlternateContent>
+  <p:timing>
+    <p:tnLst>
+      <p:par>
+        <p:cTn id="1" dur="indefinite" restart="never" nodeType="tmRoot"/>
+      </p:par>
+    </p:tnLst>
+  </p:timing>
 </p:sld>
 </file>
 
@@ -10362,13 +10397,20 @@
     <a:masterClrMapping/>
   </p:clrMapOvr>
   <mc:AlternateContent xmlns:mc="http://schemas.openxmlformats.org/markup-compatibility/2006">
-    <mc:Choice xmlns="" xmlns:p14="http://schemas.microsoft.com/office/powerpoint/2010/main" xmlns:p15="http://schemas.microsoft.com/office/powerpoint/2012/main" Requires="p14">
+    <mc:Choice xmlns:p15="http://schemas.microsoft.com/office/powerpoint/2012/main" xmlns:p14="http://schemas.microsoft.com/office/powerpoint/2010/main" xmlns="" Requires="p14">
       <p:transition spd="slow" p14:dur="2000"/>
     </mc:Choice>
     <mc:Fallback>
       <p:transition spd="slow"/>
     </mc:Fallback>
   </mc:AlternateContent>
+  <p:timing>
+    <p:tnLst>
+      <p:par>
+        <p:cTn id="1" dur="indefinite" restart="never" nodeType="tmRoot"/>
+      </p:par>
+    </p:tnLst>
+  </p:timing>
 </p:sld>
 </file>
 
@@ -11631,13 +11673,20 @@
     <a:masterClrMapping/>
   </p:clrMapOvr>
   <mc:AlternateContent xmlns:mc="http://schemas.openxmlformats.org/markup-compatibility/2006">
-    <mc:Choice xmlns="" xmlns:p14="http://schemas.microsoft.com/office/powerpoint/2010/main" xmlns:p15="http://schemas.microsoft.com/office/powerpoint/2012/main" Requires="p14">
+    <mc:Choice xmlns:p15="http://schemas.microsoft.com/office/powerpoint/2012/main" xmlns:p14="http://schemas.microsoft.com/office/powerpoint/2010/main" xmlns="" Requires="p14">
       <p:transition spd="slow" p14:dur="2000"/>
     </mc:Choice>
     <mc:Fallback>
       <p:transition spd="slow"/>
     </mc:Fallback>
   </mc:AlternateContent>
+  <p:timing>
+    <p:tnLst>
+      <p:par>
+        <p:cTn id="1" dur="indefinite" restart="never" nodeType="tmRoot"/>
+      </p:par>
+    </p:tnLst>
+  </p:timing>
 </p:sld>
 </file>
 
@@ -11818,13 +11867,20 @@
     <a:masterClrMapping/>
   </p:clrMapOvr>
   <mc:AlternateContent xmlns:mc="http://schemas.openxmlformats.org/markup-compatibility/2006">
-    <mc:Choice xmlns="" xmlns:p14="http://schemas.microsoft.com/office/powerpoint/2010/main" xmlns:p15="http://schemas.microsoft.com/office/powerpoint/2012/main" Requires="p14">
+    <mc:Choice xmlns:p15="http://schemas.microsoft.com/office/powerpoint/2012/main" xmlns:p14="http://schemas.microsoft.com/office/powerpoint/2010/main" xmlns="" Requires="p14">
       <p:transition spd="slow" p14:dur="2000"/>
     </mc:Choice>
     <mc:Fallback>
       <p:transition spd="slow"/>
     </mc:Fallback>
   </mc:AlternateContent>
+  <p:timing>
+    <p:tnLst>
+      <p:par>
+        <p:cTn id="1" dur="indefinite" restart="never" nodeType="tmRoot"/>
+      </p:par>
+    </p:tnLst>
+  </p:timing>
 </p:sld>
 </file>
 
@@ -12042,13 +12098,20 @@
     <a:masterClrMapping/>
   </p:clrMapOvr>
   <mc:AlternateContent xmlns:mc="http://schemas.openxmlformats.org/markup-compatibility/2006">
-    <mc:Choice xmlns="" xmlns:p14="http://schemas.microsoft.com/office/powerpoint/2010/main" xmlns:p15="http://schemas.microsoft.com/office/powerpoint/2012/main" Requires="p14">
+    <mc:Choice xmlns:p15="http://schemas.microsoft.com/office/powerpoint/2012/main" xmlns:p14="http://schemas.microsoft.com/office/powerpoint/2010/main" xmlns="" Requires="p14">
       <p:transition spd="slow" p14:dur="2000"/>
     </mc:Choice>
     <mc:Fallback>
       <p:transition spd="slow"/>
     </mc:Fallback>
   </mc:AlternateContent>
+  <p:timing>
+    <p:tnLst>
+      <p:par>
+        <p:cTn id="1" dur="indefinite" restart="never" nodeType="tmRoot"/>
+      </p:par>
+    </p:tnLst>
+  </p:timing>
 </p:sld>
 </file>
 
@@ -12229,13 +12292,20 @@
     <a:masterClrMapping/>
   </p:clrMapOvr>
   <mc:AlternateContent xmlns:mc="http://schemas.openxmlformats.org/markup-compatibility/2006">
-    <mc:Choice xmlns="" xmlns:p14="http://schemas.microsoft.com/office/powerpoint/2010/main" xmlns:p15="http://schemas.microsoft.com/office/powerpoint/2012/main" Requires="p14">
+    <mc:Choice xmlns:p15="http://schemas.microsoft.com/office/powerpoint/2012/main" xmlns:p14="http://schemas.microsoft.com/office/powerpoint/2010/main" xmlns="" Requires="p14">
       <p:transition spd="slow" p14:dur="2000"/>
     </mc:Choice>
     <mc:Fallback>
       <p:transition spd="slow"/>
     </mc:Fallback>
   </mc:AlternateContent>
+  <p:timing>
+    <p:tnLst>
+      <p:par>
+        <p:cTn id="1" dur="indefinite" restart="never" nodeType="tmRoot"/>
+      </p:par>
+    </p:tnLst>
+  </p:timing>
 </p:sld>
 </file>
 
@@ -12453,13 +12523,20 @@
     <a:masterClrMapping/>
   </p:clrMapOvr>
   <mc:AlternateContent xmlns:mc="http://schemas.openxmlformats.org/markup-compatibility/2006">
-    <mc:Choice xmlns="" xmlns:p14="http://schemas.microsoft.com/office/powerpoint/2010/main" xmlns:p15="http://schemas.microsoft.com/office/powerpoint/2012/main" Requires="p14">
+    <mc:Choice xmlns:p15="http://schemas.microsoft.com/office/powerpoint/2012/main" xmlns:p14="http://schemas.microsoft.com/office/powerpoint/2010/main" xmlns="" Requires="p14">
       <p:transition spd="slow" p14:dur="2000"/>
     </mc:Choice>
     <mc:Fallback>
       <p:transition spd="slow"/>
     </mc:Fallback>
   </mc:AlternateContent>
+  <p:timing>
+    <p:tnLst>
+      <p:par>
+        <p:cTn id="1" dur="indefinite" restart="never" nodeType="tmRoot"/>
+      </p:par>
+    </p:tnLst>
+  </p:timing>
 </p:sld>
 </file>
 
@@ -13594,13 +13671,20 @@
     <a:masterClrMapping/>
   </p:clrMapOvr>
   <mc:AlternateContent xmlns:mc="http://schemas.openxmlformats.org/markup-compatibility/2006">
-    <mc:Choice xmlns="" xmlns:p14="http://schemas.microsoft.com/office/powerpoint/2010/main" xmlns:p15="http://schemas.microsoft.com/office/powerpoint/2012/main" Requires="p14">
+    <mc:Choice xmlns:p15="http://schemas.microsoft.com/office/powerpoint/2012/main" xmlns:p14="http://schemas.microsoft.com/office/powerpoint/2010/main" xmlns="" Requires="p14">
       <p:transition spd="slow" p14:dur="2000"/>
     </mc:Choice>
     <mc:Fallback>
       <p:transition spd="slow"/>
     </mc:Fallback>
   </mc:AlternateContent>
+  <p:timing>
+    <p:tnLst>
+      <p:par>
+        <p:cTn id="1" dur="indefinite" restart="never" nodeType="tmRoot"/>
+      </p:par>
+    </p:tnLst>
+  </p:timing>
 </p:sld>
 </file>
 
@@ -13781,13 +13865,20 @@
     <a:masterClrMapping/>
   </p:clrMapOvr>
   <mc:AlternateContent xmlns:mc="http://schemas.openxmlformats.org/markup-compatibility/2006">
-    <mc:Choice xmlns="" xmlns:p14="http://schemas.microsoft.com/office/powerpoint/2010/main" xmlns:p15="http://schemas.microsoft.com/office/powerpoint/2012/main" Requires="p14">
+    <mc:Choice xmlns:p15="http://schemas.microsoft.com/office/powerpoint/2012/main" xmlns:p14="http://schemas.microsoft.com/office/powerpoint/2010/main" xmlns="" Requires="p14">
       <p:transition spd="slow" p14:dur="2000"/>
     </mc:Choice>
     <mc:Fallback>
       <p:transition spd="slow"/>
     </mc:Fallback>
   </mc:AlternateContent>
+  <p:timing>
+    <p:tnLst>
+      <p:par>
+        <p:cTn id="1" dur="indefinite" restart="never" nodeType="tmRoot"/>
+      </p:par>
+    </p:tnLst>
+  </p:timing>
 </p:sld>
 </file>
 
@@ -14005,13 +14096,20 @@
     <a:masterClrMapping/>
   </p:clrMapOvr>
   <mc:AlternateContent xmlns:mc="http://schemas.openxmlformats.org/markup-compatibility/2006">
-    <mc:Choice xmlns="" xmlns:p14="http://schemas.microsoft.com/office/powerpoint/2010/main" xmlns:p15="http://schemas.microsoft.com/office/powerpoint/2012/main" Requires="p14">
+    <mc:Choice xmlns:p15="http://schemas.microsoft.com/office/powerpoint/2012/main" xmlns:p14="http://schemas.microsoft.com/office/powerpoint/2010/main" xmlns="" Requires="p14">
       <p:transition spd="slow" p14:dur="2000"/>
     </mc:Choice>
     <mc:Fallback>
       <p:transition spd="slow"/>
     </mc:Fallback>
   </mc:AlternateContent>
+  <p:timing>
+    <p:tnLst>
+      <p:par>
+        <p:cTn id="1" dur="indefinite" restart="never" nodeType="tmRoot"/>
+      </p:par>
+    </p:tnLst>
+  </p:timing>
 </p:sld>
 </file>
 
@@ -14192,13 +14290,20 @@
     <a:masterClrMapping/>
   </p:clrMapOvr>
   <mc:AlternateContent xmlns:mc="http://schemas.openxmlformats.org/markup-compatibility/2006">
-    <mc:Choice xmlns="" xmlns:p14="http://schemas.microsoft.com/office/powerpoint/2010/main" xmlns:p15="http://schemas.microsoft.com/office/powerpoint/2012/main" Requires="p14">
+    <mc:Choice xmlns:p15="http://schemas.microsoft.com/office/powerpoint/2012/main" xmlns:p14="http://schemas.microsoft.com/office/powerpoint/2010/main" xmlns="" Requires="p14">
       <p:transition spd="slow" p14:dur="2000"/>
     </mc:Choice>
     <mc:Fallback>
       <p:transition spd="slow"/>
     </mc:Fallback>
   </mc:AlternateContent>
+  <p:timing>
+    <p:tnLst>
+      <p:par>
+        <p:cTn id="1" dur="indefinite" restart="never" nodeType="tmRoot"/>
+      </p:par>
+    </p:tnLst>
+  </p:timing>
 </p:sld>
 </file>
 
@@ -14458,18 +14563,24 @@
           <a:lstStyle/>
           <a:p>
             <a:r>
-              <a:rPr lang="en-US" sz="1200" b="1" strike="noStrike" spc="-1">
+              <a:rPr lang="en-US" sz="1200" b="1" strike="noStrike" spc="-1" dirty="0" smtClean="0">
                 <a:solidFill>
                   <a:srgbClr val="FFFFFF"/>
                 </a:solidFill>
                 <a:latin typeface="Arial"/>
               </a:rPr>
-              <a:t>21-23 June 2023</a:t>
+              <a:t>21 - 23 April 2023</a:t>
             </a:r>
+            <a:endParaRPr lang="en-US" sz="1200" b="1" strike="noStrike" spc="-1" dirty="0">
+              <a:solidFill>
+                <a:srgbClr val="FFFFFF"/>
+              </a:solidFill>
+              <a:latin typeface="Arial"/>
+            </a:endParaRPr>
           </a:p>
           <a:p>
             <a:r>
-              <a:rPr lang="en-US" sz="1200" b="1" strike="noStrike" spc="-1">
+              <a:rPr lang="en-US" sz="1200" b="1" strike="noStrike" spc="-1" dirty="0">
                 <a:solidFill>
                   <a:srgbClr val="FFFFFF"/>
                 </a:solidFill>
@@ -14516,18 +14627,32 @@
           <a:lstStyle/>
           <a:p>
             <a:r>
-              <a:rPr lang="en-US" sz="1200" b="1" strike="noStrike" spc="-1">
+              <a:rPr lang="en-US" sz="1200" b="1" strike="noStrike" spc="-1" dirty="0" smtClean="0">
                 <a:solidFill>
                   <a:srgbClr val="FFFFFF"/>
                 </a:solidFill>
                 <a:latin typeface="Arial"/>
               </a:rPr>
-              <a:t>24-27 June 2023</a:t>
+              <a:t>24 - 27 </a:t>
             </a:r>
-          </a:p>
-          <a:p>
             <a:r>
-              <a:rPr lang="en-US" sz="1200" b="1" strike="noStrike" spc="-1">
+              <a:rPr lang="en-US" sz="1200" b="1" spc="-1" dirty="0" smtClean="0">
+                <a:solidFill>
+                  <a:srgbClr val="FFFFFF"/>
+                </a:solidFill>
+              </a:rPr>
+              <a:t>April 2023</a:t>
+            </a:r>
+            <a:endParaRPr lang="en-US" sz="1200" b="1" strike="noStrike" spc="-1" dirty="0">
+              <a:solidFill>
+                <a:srgbClr val="FFFFFF"/>
+              </a:solidFill>
+              <a:latin typeface="Arial"/>
+            </a:endParaRPr>
+          </a:p>
+          <a:p>
+            <a:r>
+              <a:rPr lang="en-US" sz="1200" b="1" strike="noStrike" spc="-1" dirty="0">
                 <a:solidFill>
                   <a:srgbClr val="FFFFFF"/>
                 </a:solidFill>
@@ -14574,18 +14699,32 @@
           <a:lstStyle/>
           <a:p>
             <a:r>
-              <a:rPr lang="en-US" sz="1200" b="1" strike="noStrike" spc="-1">
+              <a:rPr lang="en-US" sz="1200" b="1" strike="noStrike" spc="-1" dirty="0" smtClean="0">
                 <a:solidFill>
                   <a:srgbClr val="FFFFFF"/>
                 </a:solidFill>
                 <a:latin typeface="Arial"/>
               </a:rPr>
-              <a:t>28-30 June 2023</a:t>
+              <a:t>28 - 30 </a:t>
             </a:r>
-          </a:p>
-          <a:p>
             <a:r>
-              <a:rPr lang="en-US" sz="1200" b="1" strike="noStrike" spc="-1">
+              <a:rPr lang="en-US" sz="1200" b="1" spc="-1" dirty="0" smtClean="0">
+                <a:solidFill>
+                  <a:srgbClr val="FFFFFF"/>
+                </a:solidFill>
+              </a:rPr>
+              <a:t>April 2023</a:t>
+            </a:r>
+            <a:endParaRPr lang="en-US" sz="1200" b="1" strike="noStrike" spc="-1" dirty="0">
+              <a:solidFill>
+                <a:srgbClr val="FFFFFF"/>
+              </a:solidFill>
+              <a:latin typeface="Arial"/>
+            </a:endParaRPr>
+          </a:p>
+          <a:p>
+            <a:r>
+              <a:rPr lang="en-US" sz="1200" b="1" strike="noStrike" spc="-1" dirty="0">
                 <a:solidFill>
                   <a:srgbClr val="FFFFFF"/>
                 </a:solidFill>
@@ -14632,18 +14771,44 @@
           <a:lstStyle/>
           <a:p>
             <a:r>
-              <a:rPr lang="en-US" sz="1200" b="1" strike="noStrike" spc="-1">
+              <a:rPr lang="en-US" sz="1200" b="1" strike="noStrike" spc="-1" dirty="0">
                 <a:solidFill>
                   <a:srgbClr val="FFFFFF"/>
                 </a:solidFill>
                 <a:latin typeface="Arial"/>
               </a:rPr>
-              <a:t>31 June – 2 May 2023</a:t>
+              <a:t>31 </a:t>
             </a:r>
-          </a:p>
-          <a:p>
             <a:r>
-              <a:rPr lang="en-US" sz="1200" b="1" strike="noStrike" spc="-1">
+              <a:rPr lang="en-US" sz="1200" b="1" spc="-1" dirty="0" smtClean="0">
+                <a:solidFill>
+                  <a:srgbClr val="FFFFFF"/>
+                </a:solidFill>
+              </a:rPr>
+              <a:t>April - </a:t>
+            </a:r>
+            <a:r>
+              <a:rPr lang="en-US" sz="1200" b="1" strike="noStrike" spc="-1" dirty="0" smtClean="0">
+                <a:solidFill>
+                  <a:srgbClr val="FFFFFF"/>
+                </a:solidFill>
+                <a:latin typeface="Arial"/>
+              </a:rPr>
+              <a:t>2 </a:t>
+            </a:r>
+            <a:r>
+              <a:rPr lang="en-US" sz="1200" b="1" strike="noStrike" spc="-1" dirty="0">
+                <a:solidFill>
+                  <a:srgbClr val="FFFFFF"/>
+                </a:solidFill>
+                <a:latin typeface="Arial"/>
+              </a:rPr>
+              <a:t>May 2023</a:t>
+            </a:r>
+          </a:p>
+          <a:p>
+            <a:r>
+              <a:rPr lang="en-US" sz="1200" b="1" strike="noStrike" spc="-1" dirty="0">
                 <a:solidFill>
                   <a:srgbClr val="FFFFFF"/>
                 </a:solidFill>
@@ -14718,13 +14883,20 @@
     <a:masterClrMapping/>
   </p:clrMapOvr>
   <mc:AlternateContent xmlns:mc="http://schemas.openxmlformats.org/markup-compatibility/2006">
-    <mc:Choice xmlns="" xmlns:p14="http://schemas.microsoft.com/office/powerpoint/2010/main" xmlns:p15="http://schemas.microsoft.com/office/powerpoint/2012/main" Requires="p14">
+    <mc:Choice xmlns:p15="http://schemas.microsoft.com/office/powerpoint/2012/main" xmlns:p14="http://schemas.microsoft.com/office/powerpoint/2010/main" xmlns="" Requires="p14">
       <p:transition spd="slow" p14:dur="2000"/>
     </mc:Choice>
     <mc:Fallback>
       <p:transition spd="slow"/>
     </mc:Fallback>
   </mc:AlternateContent>
+  <p:timing>
+    <p:tnLst>
+      <p:par>
+        <p:cTn id="1" dur="indefinite" restart="never" nodeType="tmRoot"/>
+      </p:par>
+    </p:tnLst>
+  </p:timing>
 </p:sld>
 </file>
 
@@ -14902,13 +15074,20 @@
     <a:masterClrMapping/>
   </p:clrMapOvr>
   <mc:AlternateContent xmlns:mc="http://schemas.openxmlformats.org/markup-compatibility/2006">
-    <mc:Choice xmlns="" xmlns:p14="http://schemas.microsoft.com/office/powerpoint/2010/main" xmlns:p15="http://schemas.microsoft.com/office/powerpoint/2012/main" Requires="p14">
+    <mc:Choice xmlns:p15="http://schemas.microsoft.com/office/powerpoint/2012/main" xmlns:p14="http://schemas.microsoft.com/office/powerpoint/2010/main" xmlns="" Requires="p14">
       <p:transition spd="slow" p14:dur="2000"/>
     </mc:Choice>
     <mc:Fallback>
       <p:transition spd="slow"/>
     </mc:Fallback>
   </mc:AlternateContent>
+  <p:timing>
+    <p:tnLst>
+      <p:par>
+        <p:cTn id="1" dur="indefinite" restart="never" nodeType="tmRoot"/>
+      </p:par>
+    </p:tnLst>
+  </p:timing>
 </p:sld>
 </file>
 
@@ -15168,13 +15347,20 @@
     <a:masterClrMapping/>
   </p:clrMapOvr>
   <mc:AlternateContent xmlns:mc="http://schemas.openxmlformats.org/markup-compatibility/2006">
-    <mc:Choice xmlns="" xmlns:p14="http://schemas.microsoft.com/office/powerpoint/2010/main" xmlns:p15="http://schemas.microsoft.com/office/powerpoint/2012/main" Requires="p14">
+    <mc:Choice xmlns:p15="http://schemas.microsoft.com/office/powerpoint/2012/main" xmlns:p14="http://schemas.microsoft.com/office/powerpoint/2010/main" xmlns="" Requires="p14">
       <p:transition spd="slow" p14:dur="2000"/>
     </mc:Choice>
     <mc:Fallback>
       <p:transition spd="slow"/>
     </mc:Fallback>
   </mc:AlternateContent>
+  <p:timing>
+    <p:tnLst>
+      <p:par>
+        <p:cTn id="1" dur="indefinite" restart="never" nodeType="tmRoot"/>
+      </p:par>
+    </p:tnLst>
+  </p:timing>
 </p:sld>
 </file>
 
@@ -15355,13 +15541,20 @@
     <a:masterClrMapping/>
   </p:clrMapOvr>
   <mc:AlternateContent xmlns:mc="http://schemas.openxmlformats.org/markup-compatibility/2006">
-    <mc:Choice xmlns="" xmlns:p14="http://schemas.microsoft.com/office/powerpoint/2010/main" xmlns:p15="http://schemas.microsoft.com/office/powerpoint/2012/main" Requires="p14">
+    <mc:Choice xmlns:p15="http://schemas.microsoft.com/office/powerpoint/2012/main" xmlns:p14="http://schemas.microsoft.com/office/powerpoint/2010/main" xmlns="" Requires="p14">
       <p:transition spd="slow" p14:dur="2000"/>
     </mc:Choice>
     <mc:Fallback>
       <p:transition spd="slow"/>
     </mc:Fallback>
   </mc:AlternateContent>
+  <p:timing>
+    <p:tnLst>
+      <p:par>
+        <p:cTn id="1" dur="indefinite" restart="never" nodeType="tmRoot"/>
+      </p:par>
+    </p:tnLst>
+  </p:timing>
 </p:sld>
 </file>
 
@@ -15930,13 +16123,20 @@
     <a:masterClrMapping/>
   </p:clrMapOvr>
   <mc:AlternateContent xmlns:mc="http://schemas.openxmlformats.org/markup-compatibility/2006">
-    <mc:Choice xmlns="" xmlns:p14="http://schemas.microsoft.com/office/powerpoint/2010/main" xmlns:p15="http://schemas.microsoft.com/office/powerpoint/2012/main" Requires="p14">
+    <mc:Choice xmlns:p15="http://schemas.microsoft.com/office/powerpoint/2012/main" xmlns:p14="http://schemas.microsoft.com/office/powerpoint/2010/main" xmlns="" Requires="p14">
       <p:transition spd="slow" p14:dur="2000"/>
     </mc:Choice>
     <mc:Fallback>
       <p:transition spd="slow"/>
     </mc:Fallback>
   </mc:AlternateContent>
+  <p:timing>
+    <p:tnLst>
+      <p:par>
+        <p:cTn id="1" dur="indefinite" restart="never" nodeType="tmRoot"/>
+      </p:par>
+    </p:tnLst>
+  </p:timing>
 </p:sld>
 </file>
 
@@ -16117,13 +16317,20 @@
     <a:masterClrMapping/>
   </p:clrMapOvr>
   <mc:AlternateContent xmlns:mc="http://schemas.openxmlformats.org/markup-compatibility/2006">
-    <mc:Choice xmlns="" xmlns:p14="http://schemas.microsoft.com/office/powerpoint/2010/main" xmlns:p15="http://schemas.microsoft.com/office/powerpoint/2012/main" Requires="p14">
+    <mc:Choice xmlns:p15="http://schemas.microsoft.com/office/powerpoint/2012/main" xmlns:p14="http://schemas.microsoft.com/office/powerpoint/2010/main" xmlns="" Requires="p14">
       <p:transition spd="slow" p14:dur="2000"/>
     </mc:Choice>
     <mc:Fallback>
       <p:transition spd="slow"/>
     </mc:Fallback>
   </mc:AlternateContent>
+  <p:timing>
+    <p:tnLst>
+      <p:par>
+        <p:cTn id="1" dur="indefinite" restart="never" nodeType="tmRoot"/>
+      </p:par>
+    </p:tnLst>
+  </p:timing>
 </p:sld>
 </file>
 
@@ -16687,13 +16894,20 @@
     <a:masterClrMapping/>
   </p:clrMapOvr>
   <mc:AlternateContent xmlns:mc="http://schemas.openxmlformats.org/markup-compatibility/2006">
-    <mc:Choice xmlns="" xmlns:p14="http://schemas.microsoft.com/office/powerpoint/2010/main" xmlns:p15="http://schemas.microsoft.com/office/powerpoint/2012/main" Requires="p14">
+    <mc:Choice xmlns:p15="http://schemas.microsoft.com/office/powerpoint/2012/main" xmlns:p14="http://schemas.microsoft.com/office/powerpoint/2010/main" xmlns="" Requires="p14">
       <p:transition spd="slow" p14:dur="2000"/>
     </mc:Choice>
     <mc:Fallback>
       <p:transition spd="slow"/>
     </mc:Fallback>
   </mc:AlternateContent>
+  <p:timing>
+    <p:tnLst>
+      <p:par>
+        <p:cTn id="1" dur="indefinite" restart="never" nodeType="tmRoot"/>
+      </p:par>
+    </p:tnLst>
+  </p:timing>
 </p:sld>
 </file>
 
@@ -16874,13 +17088,20 @@
     <a:masterClrMapping/>
   </p:clrMapOvr>
   <mc:AlternateContent xmlns:mc="http://schemas.openxmlformats.org/markup-compatibility/2006">
-    <mc:Choice xmlns="" xmlns:p14="http://schemas.microsoft.com/office/powerpoint/2010/main" xmlns:p15="http://schemas.microsoft.com/office/powerpoint/2012/main" Requires="p14">
+    <mc:Choice xmlns:p15="http://schemas.microsoft.com/office/powerpoint/2012/main" xmlns:p14="http://schemas.microsoft.com/office/powerpoint/2010/main" xmlns="" Requires="p14">
       <p:transition spd="slow" p14:dur="2000"/>
     </mc:Choice>
     <mc:Fallback>
       <p:transition spd="slow"/>
     </mc:Fallback>
   </mc:AlternateContent>
+  <p:timing>
+    <p:tnLst>
+      <p:par>
+        <p:cTn id="1" dur="indefinite" restart="never" nodeType="tmRoot"/>
+      </p:par>
+    </p:tnLst>
+  </p:timing>
 </p:sld>
 </file>
 
@@ -17394,13 +17615,20 @@
     <a:masterClrMapping/>
   </p:clrMapOvr>
   <mc:AlternateContent xmlns:mc="http://schemas.openxmlformats.org/markup-compatibility/2006">
-    <mc:Choice xmlns="" xmlns:p14="http://schemas.microsoft.com/office/powerpoint/2010/main" xmlns:p15="http://schemas.microsoft.com/office/powerpoint/2012/main" Requires="p14">
+    <mc:Choice xmlns:p15="http://schemas.microsoft.com/office/powerpoint/2012/main" xmlns:p14="http://schemas.microsoft.com/office/powerpoint/2010/main" xmlns="" Requires="p14">
       <p:transition spd="slow" p14:dur="2000"/>
     </mc:Choice>
     <mc:Fallback>
       <p:transition spd="slow"/>
     </mc:Fallback>
   </mc:AlternateContent>
+  <p:timing>
+    <p:tnLst>
+      <p:par>
+        <p:cTn id="1" dur="indefinite" restart="never" nodeType="tmRoot"/>
+      </p:par>
+    </p:tnLst>
+  </p:timing>
 </p:sld>
 </file>
 
@@ -17839,13 +18067,20 @@
     <a:masterClrMapping/>
   </p:clrMapOvr>
   <mc:AlternateContent xmlns:mc="http://schemas.openxmlformats.org/markup-compatibility/2006">
-    <mc:Choice xmlns="" xmlns:p14="http://schemas.microsoft.com/office/powerpoint/2010/main" xmlns:p15="http://schemas.microsoft.com/office/powerpoint/2012/main" Requires="p14">
+    <mc:Choice xmlns:p15="http://schemas.microsoft.com/office/powerpoint/2012/main" xmlns:p14="http://schemas.microsoft.com/office/powerpoint/2010/main" xmlns="" Requires="p14">
       <p:transition spd="slow" p14:dur="2000"/>
     </mc:Choice>
     <mc:Fallback>
       <p:transition spd="slow"/>
     </mc:Fallback>
   </mc:AlternateContent>
+  <p:timing>
+    <p:tnLst>
+      <p:par>
+        <p:cTn id="1" dur="indefinite" restart="never" nodeType="tmRoot"/>
+      </p:par>
+    </p:tnLst>
+  </p:timing>
 </p:sld>
 </file>
 
